--- a/docs/diagrams/ScriptSetupSequenceDiagram.pptx
+++ b/docs/diagrams/ScriptSetupSequenceDiagram.pptx
@@ -208,7 +208,7 @@
           <a:p>
             <a:fld id="{F5CC4B3F-88C1-4FFA-B1B6-F41C21DC6924}" type="datetimeFigureOut">
               <a:rPr lang="en-US" smtClean="0"/>
-              <a:t>10/28/2018</a:t>
+              <a:t>11/6/2018</a:t>
             </a:fld>
             <a:endParaRPr lang="en-US"/>
           </a:p>
@@ -738,7 +738,7 @@
           <a:p>
             <a:fld id="{78C97017-6FC3-485B-9764-EAC9E56C1D49}" type="datetimeFigureOut">
               <a:rPr lang="en-US" smtClean="0"/>
-              <a:t>10/28/2018</a:t>
+              <a:t>11/6/2018</a:t>
             </a:fld>
             <a:endParaRPr lang="en-US"/>
           </a:p>
@@ -906,7 +906,7 @@
           <a:p>
             <a:fld id="{78C97017-6FC3-485B-9764-EAC9E56C1D49}" type="datetimeFigureOut">
               <a:rPr lang="en-US" smtClean="0"/>
-              <a:t>10/28/2018</a:t>
+              <a:t>11/6/2018</a:t>
             </a:fld>
             <a:endParaRPr lang="en-US"/>
           </a:p>
@@ -1084,7 +1084,7 @@
           <a:p>
             <a:fld id="{78C97017-6FC3-485B-9764-EAC9E56C1D49}" type="datetimeFigureOut">
               <a:rPr lang="en-US" smtClean="0"/>
-              <a:t>10/28/2018</a:t>
+              <a:t>11/6/2018</a:t>
             </a:fld>
             <a:endParaRPr lang="en-US"/>
           </a:p>
@@ -1252,7 +1252,7 @@
           <a:p>
             <a:fld id="{78C97017-6FC3-485B-9764-EAC9E56C1D49}" type="datetimeFigureOut">
               <a:rPr lang="en-US" smtClean="0"/>
-              <a:t>10/28/2018</a:t>
+              <a:t>11/6/2018</a:t>
             </a:fld>
             <a:endParaRPr lang="en-US"/>
           </a:p>
@@ -1497,7 +1497,7 @@
           <a:p>
             <a:fld id="{78C97017-6FC3-485B-9764-EAC9E56C1D49}" type="datetimeFigureOut">
               <a:rPr lang="en-US" smtClean="0"/>
-              <a:t>10/28/2018</a:t>
+              <a:t>11/6/2018</a:t>
             </a:fld>
             <a:endParaRPr lang="en-US"/>
           </a:p>
@@ -1782,7 +1782,7 @@
           <a:p>
             <a:fld id="{78C97017-6FC3-485B-9764-EAC9E56C1D49}" type="datetimeFigureOut">
               <a:rPr lang="en-US" smtClean="0"/>
-              <a:t>10/28/2018</a:t>
+              <a:t>11/6/2018</a:t>
             </a:fld>
             <a:endParaRPr lang="en-US"/>
           </a:p>
@@ -2201,7 +2201,7 @@
           <a:p>
             <a:fld id="{78C97017-6FC3-485B-9764-EAC9E56C1D49}" type="datetimeFigureOut">
               <a:rPr lang="en-US" smtClean="0"/>
-              <a:t>10/28/2018</a:t>
+              <a:t>11/6/2018</a:t>
             </a:fld>
             <a:endParaRPr lang="en-US"/>
           </a:p>
@@ -2318,7 +2318,7 @@
           <a:p>
             <a:fld id="{78C97017-6FC3-485B-9764-EAC9E56C1D49}" type="datetimeFigureOut">
               <a:rPr lang="en-US" smtClean="0"/>
-              <a:t>10/28/2018</a:t>
+              <a:t>11/6/2018</a:t>
             </a:fld>
             <a:endParaRPr lang="en-US"/>
           </a:p>
@@ -2413,7 +2413,7 @@
           <a:p>
             <a:fld id="{78C97017-6FC3-485B-9764-EAC9E56C1D49}" type="datetimeFigureOut">
               <a:rPr lang="en-US" smtClean="0"/>
-              <a:t>10/28/2018</a:t>
+              <a:t>11/6/2018</a:t>
             </a:fld>
             <a:endParaRPr lang="en-US"/>
           </a:p>
@@ -2688,7 +2688,7 @@
           <a:p>
             <a:fld id="{78C97017-6FC3-485B-9764-EAC9E56C1D49}" type="datetimeFigureOut">
               <a:rPr lang="en-US" smtClean="0"/>
-              <a:t>10/28/2018</a:t>
+              <a:t>11/6/2018</a:t>
             </a:fld>
             <a:endParaRPr lang="en-US"/>
           </a:p>
@@ -2940,7 +2940,7 @@
           <a:p>
             <a:fld id="{78C97017-6FC3-485B-9764-EAC9E56C1D49}" type="datetimeFigureOut">
               <a:rPr lang="en-US" smtClean="0"/>
-              <a:t>10/28/2018</a:t>
+              <a:t>11/6/2018</a:t>
             </a:fld>
             <a:endParaRPr lang="en-US"/>
           </a:p>
@@ -3151,7 +3151,7 @@
           <a:p>
             <a:fld id="{78C97017-6FC3-485B-9764-EAC9E56C1D49}" type="datetimeFigureOut">
               <a:rPr lang="en-US" smtClean="0"/>
-              <a:t>10/28/2018</a:t>
+              <a:t>11/6/2018</a:t>
             </a:fld>
             <a:endParaRPr lang="en-US"/>
           </a:p>
@@ -3528,30 +3528,34 @@
       </p:grpSpPr>
       <p:sp>
         <p:nvSpPr>
-          <p:cNvPr id="81" name="Rectangle 65"/>
+          <p:cNvPr id="151" name="Rectangle 65">
+            <a:extLst>
+              <a:ext uri="{FF2B5EF4-FFF2-40B4-BE49-F238E27FC236}">
+                <a16:creationId xmlns:a16="http://schemas.microsoft.com/office/drawing/2014/main" id="{99E98F1D-3384-46DB-BFF6-ADCE1C5853B3}"/>
+              </a:ext>
+            </a:extLst>
+          </p:cNvPr>
           <p:cNvSpPr/>
           <p:nvPr/>
         </p:nvSpPr>
         <p:spPr>
           <a:xfrm>
-            <a:off x="-2122184" y="0"/>
-            <a:ext cx="4861063" cy="6858000"/>
+            <a:off x="4369421" y="0"/>
+            <a:ext cx="4328334" cy="7004011"/>
           </a:xfrm>
           <a:prstGeom prst="roundRect">
             <a:avLst>
-              <a:gd name="adj" fmla="val 0"/>
+              <a:gd name="adj" fmla="val 3692"/>
             </a:avLst>
           </a:prstGeom>
           <a:solidFill>
-            <a:schemeClr val="accent1">
+            <a:schemeClr val="accent5">
               <a:lumMod val="20000"/>
               <a:lumOff val="80000"/>
             </a:schemeClr>
           </a:solidFill>
           <a:ln w="19050">
-            <a:solidFill>
-              <a:schemeClr val="accent1"/>
-            </a:solidFill>
+            <a:noFill/>
           </a:ln>
           <a:effectLst/>
         </p:spPr>
@@ -3573,85 +3577,69 @@
           <a:bodyPr rtlCol="0" anchor="t"/>
           <a:lstStyle/>
           <a:p>
+            <a:r>
+              <a:rPr lang="en-US" sz="1200" b="1" dirty="0">
+                <a:solidFill>
+                  <a:srgbClr val="31859C"/>
+                </a:solidFill>
+              </a:rPr>
+              <a:t>Common</a:t>
+            </a:r>
+          </a:p>
+          <a:p>
             <a:endParaRPr lang="en-US" sz="1200" b="1" dirty="0">
               <a:solidFill>
-                <a:srgbClr val="0070C0"/>
+                <a:schemeClr val="accent6"/>
               </a:solidFill>
             </a:endParaRPr>
           </a:p>
           <a:p>
             <a:endParaRPr lang="en-US" sz="1200" b="1" dirty="0">
               <a:solidFill>
-                <a:srgbClr val="0070C0"/>
+                <a:schemeClr val="accent6"/>
               </a:solidFill>
             </a:endParaRPr>
           </a:p>
           <a:p>
             <a:endParaRPr lang="en-US" sz="1200" b="1" dirty="0">
               <a:solidFill>
-                <a:srgbClr val="0070C0"/>
+                <a:schemeClr val="accent6"/>
               </a:solidFill>
             </a:endParaRPr>
           </a:p>
           <a:p>
-            <a:endParaRPr lang="en-US" sz="1200" b="1" dirty="0">
+            <a:endParaRPr lang="en-SG" sz="1200" b="1" dirty="0">
               <a:solidFill>
-                <a:srgbClr val="0070C0"/>
+                <a:schemeClr val="accent6"/>
               </a:solidFill>
             </a:endParaRPr>
           </a:p>
-          <a:p>
-            <a:endParaRPr lang="en-US" sz="1200" b="1" dirty="0">
-              <a:solidFill>
-                <a:srgbClr val="0070C0"/>
-              </a:solidFill>
-            </a:endParaRPr>
-          </a:p>
-          <a:p>
-            <a:endParaRPr lang="en-US" sz="1200" b="1" dirty="0">
-              <a:solidFill>
-                <a:srgbClr val="0070C0"/>
-              </a:solidFill>
-            </a:endParaRPr>
-          </a:p>
-          <a:p>
-            <a:r>
-              <a:rPr lang="en-US" sz="1200" b="1" dirty="0">
-                <a:solidFill>
-                  <a:srgbClr val="0070C0"/>
-                </a:solidFill>
-              </a:rPr>
-              <a:t>MainApp</a:t>
-            </a:r>
-            <a:endParaRPr lang="en-SG" sz="1200" b="1" dirty="0">
-              <a:solidFill>
-                <a:srgbClr val="0070C0"/>
-              </a:solidFill>
-            </a:endParaRPr>
-          </a:p>
-        </p:txBody>
-      </p:sp>
-      <p:sp>
-        <p:nvSpPr>
-          <p:cNvPr id="2" name="Rectangle 62"/>
+        </p:txBody>
+      </p:sp>
+      <p:sp>
+        <p:nvSpPr>
+          <p:cNvPr id="81" name="Rectangle 65"/>
           <p:cNvSpPr/>
           <p:nvPr/>
         </p:nvSpPr>
         <p:spPr>
           <a:xfrm>
-            <a:off x="-1114593" y="842974"/>
-            <a:ext cx="1455629" cy="346760"/>
-          </a:xfrm>
-          <a:prstGeom prst="rect">
-            <a:avLst/>
+            <a:off x="-2279961" y="-1"/>
+            <a:ext cx="6658162" cy="7004011"/>
+          </a:xfrm>
+          <a:prstGeom prst="roundRect">
+            <a:avLst>
+              <a:gd name="adj" fmla="val 2133"/>
+            </a:avLst>
           </a:prstGeom>
           <a:solidFill>
-            <a:srgbClr val="0070C0"/>
+            <a:schemeClr val="accent6">
+              <a:lumMod val="20000"/>
+              <a:lumOff val="80000"/>
+            </a:schemeClr>
           </a:solidFill>
           <a:ln w="19050">
-            <a:solidFill>
-              <a:srgbClr val="0070C0"/>
-            </a:solidFill>
+            <a:noFill/>
           </a:ln>
           <a:effectLst/>
         </p:spPr>
@@ -3670,133 +3658,76 @@
           </a:fontRef>
         </p:style>
         <p:txBody>
-          <a:bodyPr rtlCol="0" anchor="ctr"/>
+          <a:bodyPr rtlCol="0" anchor="t"/>
           <a:lstStyle/>
           <a:p>
-            <a:pPr algn="ctr"/>
-            <a:r>
-              <a:rPr lang="en-US" sz="1600" dirty="0">
+            <a:r>
+              <a:rPr lang="en-US" sz="1200" b="1" dirty="0">
                 <a:solidFill>
-                  <a:schemeClr val="bg1"/>
+                  <a:schemeClr val="accent6"/>
                 </a:solidFill>
               </a:rPr>
-              <a:t>:ScriptSetup</a:t>
-            </a:r>
-            <a:endParaRPr lang="en-SG" sz="1600" dirty="0">
+              <a:t>Storage</a:t>
+            </a:r>
+          </a:p>
+          <a:p>
+            <a:endParaRPr lang="en-US" sz="1200" b="1" dirty="0">
               <a:solidFill>
-                <a:schemeClr val="bg1"/>
+                <a:schemeClr val="accent6"/>
               </a:solidFill>
             </a:endParaRPr>
           </a:p>
-        </p:txBody>
-      </p:sp>
-      <p:cxnSp>
-        <p:nvCxnSpPr>
-          <p:cNvPr id="5" name="Straight Connector 4"/>
-          <p:cNvCxnSpPr>
-            <a:cxnSpLocks/>
-            <a:stCxn id="2" idx="2"/>
-          </p:cNvCxnSpPr>
-          <p:nvPr/>
-        </p:nvCxnSpPr>
-        <p:spPr>
-          <a:xfrm>
-            <a:off x="-386778" y="1189734"/>
-            <a:ext cx="0" cy="4374377"/>
-          </a:xfrm>
-          <a:prstGeom prst="line">
-            <a:avLst/>
-          </a:prstGeom>
-          <a:ln w="19050">
-            <a:solidFill>
-              <a:srgbClr val="0070C0"/>
-            </a:solidFill>
-            <a:prstDash val="sysDash"/>
-          </a:ln>
-          <a:effectLst/>
-        </p:spPr>
-        <p:style>
-          <a:lnRef idx="1">
-            <a:schemeClr val="accent1"/>
-          </a:lnRef>
-          <a:fillRef idx="2">
-            <a:schemeClr val="accent1"/>
-          </a:fillRef>
-          <a:effectRef idx="1">
-            <a:schemeClr val="accent1"/>
-          </a:effectRef>
-          <a:fontRef idx="minor">
-            <a:schemeClr val="dk1"/>
-          </a:fontRef>
-        </p:style>
-      </p:cxnSp>
-      <p:sp>
-        <p:nvSpPr>
-          <p:cNvPr id="6" name="Rectangle 5"/>
+          <a:p>
+            <a:endParaRPr lang="en-US" sz="1200" b="1" dirty="0">
+              <a:solidFill>
+                <a:schemeClr val="accent6"/>
+              </a:solidFill>
+            </a:endParaRPr>
+          </a:p>
+          <a:p>
+            <a:endParaRPr lang="en-US" sz="1200" b="1" dirty="0">
+              <a:solidFill>
+                <a:schemeClr val="accent6"/>
+              </a:solidFill>
+            </a:endParaRPr>
+          </a:p>
+          <a:p>
+            <a:r>
+              <a:rPr lang="en-US" sz="1200" b="1" dirty="0">
+                <a:solidFill>
+                  <a:schemeClr val="accent6"/>
+                </a:solidFill>
+              </a:rPr>
+              <a:t>MainApp</a:t>
+            </a:r>
+            <a:endParaRPr lang="en-SG" sz="1200" b="1" dirty="0">
+              <a:solidFill>
+                <a:schemeClr val="accent6"/>
+              </a:solidFill>
+            </a:endParaRPr>
+          </a:p>
+        </p:txBody>
+      </p:sp>
+      <p:sp>
+        <p:nvSpPr>
+          <p:cNvPr id="2" name="Rectangle 62"/>
           <p:cNvSpPr/>
           <p:nvPr/>
         </p:nvSpPr>
         <p:spPr>
           <a:xfrm>
-            <a:off x="-451925" y="1404076"/>
-            <a:ext cx="134393" cy="4050723"/>
+            <a:off x="-1114593" y="525577"/>
+            <a:ext cx="1455629" cy="346760"/>
           </a:xfrm>
           <a:prstGeom prst="rect">
             <a:avLst/>
           </a:prstGeom>
           <a:solidFill>
-            <a:srgbClr val="0070C0"/>
-          </a:solidFill>
-          <a:ln>
-            <a:solidFill>
-              <a:srgbClr val="0070C0"/>
-            </a:solidFill>
-          </a:ln>
-          <a:effectLst/>
-        </p:spPr>
-        <p:style>
-          <a:lnRef idx="1">
-            <a:schemeClr val="accent3"/>
-          </a:lnRef>
-          <a:fillRef idx="2">
-            <a:schemeClr val="accent3"/>
-          </a:fillRef>
-          <a:effectRef idx="1">
-            <a:schemeClr val="accent3"/>
-          </a:effectRef>
-          <a:fontRef idx="minor">
-            <a:schemeClr val="dk1"/>
-          </a:fontRef>
-        </p:style>
-        <p:txBody>
-          <a:bodyPr rtlCol="0" anchor="ctr"/>
-          <a:lstStyle/>
-          <a:p>
-            <a:pPr algn="ctr"/>
-            <a:endParaRPr lang="en-SG" sz="1400"/>
-          </a:p>
-        </p:txBody>
-      </p:sp>
-      <p:sp>
-        <p:nvSpPr>
-          <p:cNvPr id="16" name="Rectangle 62"/>
-          <p:cNvSpPr/>
-          <p:nvPr/>
-        </p:nvSpPr>
-        <p:spPr>
-          <a:xfrm>
-            <a:off x="1061370" y="826846"/>
-            <a:ext cx="1219200" cy="467684"/>
-          </a:xfrm>
-          <a:prstGeom prst="rect">
-            <a:avLst/>
-          </a:prstGeom>
-          <a:solidFill>
-            <a:schemeClr val="accent2"/>
+            <a:schemeClr val="accent6"/>
           </a:solidFill>
           <a:ln w="19050">
             <a:solidFill>
-              <a:schemeClr val="accent2"/>
+              <a:schemeClr val="accent6"/>
             </a:solidFill>
           </a:ln>
           <a:effectLst/>
@@ -3826,7 +3757,7 @@
                   <a:schemeClr val="bg1"/>
                 </a:solidFill>
               </a:rPr>
-              <a:t>:FileUtil</a:t>
+              <a:t>:ScriptSetup</a:t>
             </a:r>
             <a:endParaRPr lang="en-SG" sz="1600" dirty="0">
               <a:solidFill>
@@ -3838,24 +3769,25 @@
       </p:sp>
       <p:cxnSp>
         <p:nvCxnSpPr>
-          <p:cNvPr id="17" name="Straight Connector 16"/>
+          <p:cNvPr id="5" name="Straight Connector 4"/>
           <p:cNvCxnSpPr>
             <a:cxnSpLocks/>
-            <a:stCxn id="16" idx="2"/>
+            <a:stCxn id="2" idx="2"/>
+            <a:endCxn id="6" idx="0"/>
           </p:cNvCxnSpPr>
           <p:nvPr/>
         </p:nvCxnSpPr>
         <p:spPr>
-          <a:xfrm flipH="1">
-            <a:off x="1670145" y="1294530"/>
-            <a:ext cx="825" cy="2483353"/>
+          <a:xfrm>
+            <a:off x="-386778" y="872337"/>
+            <a:ext cx="2050" cy="214341"/>
           </a:xfrm>
           <a:prstGeom prst="line">
             <a:avLst/>
           </a:prstGeom>
           <a:ln w="19050">
             <a:solidFill>
-              <a:schemeClr val="accent2"/>
+              <a:schemeClr val="accent6"/>
             </a:solidFill>
             <a:prstDash val="sysDash"/>
           </a:ln>
@@ -3878,37 +3810,34 @@
       </p:cxnSp>
       <p:sp>
         <p:nvSpPr>
-          <p:cNvPr id="18" name="Rectangle 17"/>
+          <p:cNvPr id="6" name="Rectangle 5"/>
           <p:cNvSpPr/>
           <p:nvPr/>
         </p:nvSpPr>
         <p:spPr>
           <a:xfrm>
-            <a:off x="1607255" y="1583104"/>
-            <a:ext cx="120505" cy="2106147"/>
+            <a:off x="-451925" y="1086678"/>
+            <a:ext cx="134393" cy="5746141"/>
           </a:xfrm>
           <a:prstGeom prst="rect">
             <a:avLst/>
           </a:prstGeom>
-          <a:solidFill>
-            <a:schemeClr val="accent2"/>
-          </a:solidFill>
+          <a:noFill/>
           <a:ln>
             <a:solidFill>
-              <a:schemeClr val="accent2"/>
+              <a:schemeClr val="accent6"/>
             </a:solidFill>
           </a:ln>
-          <a:effectLst/>
         </p:spPr>
         <p:style>
-          <a:lnRef idx="1">
-            <a:schemeClr val="accent3"/>
+          <a:lnRef idx="2">
+            <a:schemeClr val="accent6"/>
           </a:lnRef>
-          <a:fillRef idx="2">
-            <a:schemeClr val="accent3"/>
+          <a:fillRef idx="1">
+            <a:schemeClr val="lt1"/>
           </a:fillRef>
-          <a:effectRef idx="1">
-            <a:schemeClr val="accent3"/>
+          <a:effectRef idx="0">
+            <a:schemeClr val="accent6"/>
           </a:effectRef>
           <a:fontRef idx="minor">
             <a:schemeClr val="dk1"/>
@@ -3919,9 +3848,119 @@
           <a:lstStyle/>
           <a:p>
             <a:pPr algn="ctr"/>
+            <a:endParaRPr lang="en-SG" sz="1400"/>
+          </a:p>
+        </p:txBody>
+      </p:sp>
+      <p:sp>
+        <p:nvSpPr>
+          <p:cNvPr id="16" name="Rectangle 62"/>
+          <p:cNvSpPr/>
+          <p:nvPr/>
+        </p:nvSpPr>
+        <p:spPr>
+          <a:xfrm>
+            <a:off x="6702286" y="417249"/>
+            <a:ext cx="1219200" cy="467684"/>
+          </a:xfrm>
+          <a:prstGeom prst="rect">
+            <a:avLst/>
+          </a:prstGeom>
+          <a:solidFill>
+            <a:srgbClr val="31859C"/>
+          </a:solidFill>
+          <a:ln w="19050">
+            <a:solidFill>
+              <a:schemeClr val="accent5">
+                <a:lumMod val="75000"/>
+              </a:schemeClr>
+            </a:solidFill>
+          </a:ln>
+          <a:effectLst/>
+        </p:spPr>
+        <p:style>
+          <a:lnRef idx="1">
+            <a:schemeClr val="accent5"/>
+          </a:lnRef>
+          <a:fillRef idx="2">
+            <a:schemeClr val="accent5"/>
+          </a:fillRef>
+          <a:effectRef idx="1">
+            <a:schemeClr val="accent5"/>
+          </a:effectRef>
+          <a:fontRef idx="minor">
+            <a:schemeClr val="dk1"/>
+          </a:fontRef>
+        </p:style>
+        <p:txBody>
+          <a:bodyPr rtlCol="0" anchor="ctr"/>
+          <a:lstStyle/>
+          <a:p>
+            <a:pPr algn="ctr"/>
+            <a:r>
+              <a:rPr lang="en-US" sz="1400" dirty="0">
+                <a:solidFill>
+                  <a:schemeClr val="bg1"/>
+                </a:solidFill>
+              </a:rPr>
+              <a:t>:FileUtil</a:t>
+            </a:r>
+            <a:endParaRPr lang="en-SG" sz="1400" dirty="0">
+              <a:solidFill>
+                <a:schemeClr val="bg1"/>
+              </a:solidFill>
+            </a:endParaRPr>
+          </a:p>
+        </p:txBody>
+      </p:sp>
+      <p:sp>
+        <p:nvSpPr>
+          <p:cNvPr id="18" name="Rectangle 17"/>
+          <p:cNvSpPr/>
+          <p:nvPr/>
+        </p:nvSpPr>
+        <p:spPr>
+          <a:xfrm>
+            <a:off x="7198325" y="1158370"/>
+            <a:ext cx="120505" cy="5254388"/>
+          </a:xfrm>
+          <a:prstGeom prst="rect">
+            <a:avLst/>
+          </a:prstGeom>
+          <a:solidFill>
+            <a:srgbClr val="31859C"/>
+          </a:solidFill>
+          <a:ln w="19050">
+            <a:solidFill>
+              <a:schemeClr val="accent5">
+                <a:lumMod val="75000"/>
+              </a:schemeClr>
+            </a:solidFill>
+          </a:ln>
+          <a:effectLst/>
+        </p:spPr>
+        <p:style>
+          <a:lnRef idx="1">
+            <a:schemeClr val="accent5"/>
+          </a:lnRef>
+          <a:fillRef idx="2">
+            <a:schemeClr val="accent5"/>
+          </a:fillRef>
+          <a:effectRef idx="1">
+            <a:schemeClr val="accent5"/>
+          </a:effectRef>
+          <a:fontRef idx="minor">
+            <a:schemeClr val="dk1"/>
+          </a:fontRef>
+        </p:style>
+        <p:txBody>
+          <a:bodyPr rtlCol="0" anchor="ctr"/>
+          <a:lstStyle/>
+          <a:p>
+            <a:pPr algn="ctr"/>
             <a:endParaRPr lang="en-SG" sz="1400">
               <a:solidFill>
-                <a:schemeClr val="dk1"/>
+                <a:schemeClr val="bg1"/>
               </a:solidFill>
             </a:endParaRPr>
           </a:p>
@@ -3935,7 +3974,7 @@
         </p:nvCxnSpPr>
         <p:spPr>
           <a:xfrm>
-            <a:off x="-1578601" y="1413919"/>
+            <a:off x="-1578601" y="1096522"/>
             <a:ext cx="1119851" cy="0"/>
           </a:xfrm>
           <a:prstGeom prst="straightConnector1">
@@ -3943,7 +3982,7 @@
           </a:prstGeom>
           <a:ln w="19050">
             <a:solidFill>
-              <a:schemeClr val="accent1"/>
+              <a:schemeClr val="accent6"/>
             </a:solidFill>
             <a:tailEnd type="arrow"/>
           </a:ln>
@@ -3971,13 +4010,16 @@
         </p:nvSpPr>
         <p:spPr>
           <a:xfrm>
-            <a:off x="-2135883" y="1439519"/>
+            <a:off x="-2135883" y="1122122"/>
             <a:ext cx="1624103" cy="430887"/>
           </a:xfrm>
           <a:prstGeom prst="rect">
             <a:avLst/>
           </a:prstGeom>
           <a:noFill/>
+          <a:ln>
+            <a:noFill/>
+          </a:ln>
         </p:spPr>
         <p:txBody>
           <a:bodyPr wrap="square" lIns="0" tIns="0" rIns="0" bIns="0" rtlCol="0">
@@ -3989,7 +4031,7 @@
             <a:r>
               <a:rPr lang="en-US" sz="1400" dirty="0">
                 <a:solidFill>
-                  <a:srgbClr val="0070C0"/>
+                  <a:schemeClr val="accent6"/>
                 </a:solidFill>
               </a:rPr>
               <a:t>execute</a:t>
@@ -4000,10 +4042,10 @@
             <a:r>
               <a:rPr lang="en-US" sz="1400" dirty="0">
                 <a:solidFill>
-                  <a:srgbClr val="0070C0"/>
+                  <a:schemeClr val="accent6"/>
                 </a:solidFill>
               </a:rPr>
-              <a:t>(“/scripts/”)</a:t>
+              <a:t>(userPrefs)</a:t>
             </a:r>
           </a:p>
         </p:txBody>
@@ -4016,8 +4058,8 @@
         </p:nvSpPr>
         <p:spPr>
           <a:xfrm>
-            <a:off x="4965" y="1654962"/>
-            <a:ext cx="1323411" cy="646331"/>
+            <a:off x="4183842" y="2724686"/>
+            <a:ext cx="3232272" cy="215444"/>
           </a:xfrm>
           <a:prstGeom prst="rect">
             <a:avLst/>
@@ -4045,21 +4087,10 @@
             <a:r>
               <a:rPr lang="en-US" dirty="0">
                 <a:solidFill>
-                  <a:srgbClr val="FF0000"/>
+                  <a:srgbClr val="31859C"/>
                 </a:solidFill>
               </a:rPr>
-              <a:t>getPath</a:t>
-            </a:r>
-          </a:p>
-          <a:p>
-            <a:pPr algn="ctr"/>
-            <a:r>
-              <a:rPr lang="en-US" dirty="0">
-                <a:solidFill>
-                  <a:srgbClr val="FF0000"/>
-                </a:solidFill>
-              </a:rPr>
-              <a:t>(ProjectLocation + “/Scripts/”)</a:t>
+              <a:t>getPath(ProjectLocation + scriptFolder)</a:t>
             </a:r>
           </a:p>
         </p:txBody>
@@ -4079,16 +4110,16 @@
           <p:nvPr/>
         </p:nvCxnSpPr>
         <p:spPr>
-          <a:xfrm>
-            <a:off x="-337983" y="1635621"/>
-            <a:ext cx="1939184" cy="2665"/>
+          <a:xfrm flipV="1">
+            <a:off x="-285156" y="2994020"/>
+            <a:ext cx="7483481" cy="21122"/>
           </a:xfrm>
           <a:prstGeom prst="straightConnector1">
             <a:avLst/>
           </a:prstGeom>
           <a:ln w="19050">
             <a:solidFill>
-              <a:schemeClr val="accent2"/>
+              <a:schemeClr val="accent6"/>
             </a:solidFill>
             <a:tailEnd type="arrow"/>
           </a:ln>
@@ -4110,10 +4141,118 @@
       </p:cxnSp>
       <p:sp>
         <p:nvSpPr>
-          <p:cNvPr id="132" name="TextBox 131">
+          <p:cNvPr id="164" name="Rectangle 163">
             <a:extLst>
               <a:ext uri="{FF2B5EF4-FFF2-40B4-BE49-F238E27FC236}">
-                <a16:creationId xmlns:a16="http://schemas.microsoft.com/office/drawing/2014/main" id="{5B36CA47-36CF-4B54-92D7-72453E24F63A}"/>
+                <a16:creationId xmlns:a16="http://schemas.microsoft.com/office/drawing/2014/main" id="{3B370556-BD77-4474-9FDA-6B58DFCEEB59}"/>
+              </a:ext>
+            </a:extLst>
+          </p:cNvPr>
+          <p:cNvSpPr/>
+          <p:nvPr/>
+        </p:nvSpPr>
+        <p:spPr>
+          <a:xfrm>
+            <a:off x="-1773243" y="2882456"/>
+            <a:ext cx="4654856" cy="1238052"/>
+          </a:xfrm>
+          <a:prstGeom prst="rect">
+            <a:avLst/>
+          </a:prstGeom>
+          <a:noFill/>
+          <a:ln w="12700">
+            <a:solidFill>
+              <a:schemeClr val="accent6"/>
+            </a:solidFill>
+          </a:ln>
+        </p:spPr>
+        <p:style>
+          <a:lnRef idx="2">
+            <a:schemeClr val="accent1">
+              <a:shade val="50000"/>
+            </a:schemeClr>
+          </a:lnRef>
+          <a:fillRef idx="1">
+            <a:schemeClr val="accent1"/>
+          </a:fillRef>
+          <a:effectRef idx="0">
+            <a:schemeClr val="accent1"/>
+          </a:effectRef>
+          <a:fontRef idx="minor">
+            <a:schemeClr val="lt1"/>
+          </a:fontRef>
+        </p:style>
+        <p:txBody>
+          <a:bodyPr rtlCol="0" anchor="ctr"/>
+          <a:lstStyle/>
+          <a:p>
+            <a:pPr algn="ctr"/>
+            <a:endParaRPr lang="en-SG"/>
+          </a:p>
+        </p:txBody>
+      </p:sp>
+      <p:sp>
+        <p:nvSpPr>
+          <p:cNvPr id="167" name="Rectangle: Single Corner Snipped 166">
+            <a:extLst>
+              <a:ext uri="{FF2B5EF4-FFF2-40B4-BE49-F238E27FC236}">
+                <a16:creationId xmlns:a16="http://schemas.microsoft.com/office/drawing/2014/main" id="{69B1AD43-7D1B-445C-A7CB-7C248EE3953C}"/>
+              </a:ext>
+            </a:extLst>
+          </p:cNvPr>
+          <p:cNvSpPr/>
+          <p:nvPr/>
+        </p:nvSpPr>
+        <p:spPr>
+          <a:xfrm rot="10800000" flipH="1">
+            <a:off x="-1771495" y="2896877"/>
+            <a:ext cx="533400" cy="287343"/>
+          </a:xfrm>
+          <a:prstGeom prst="snip1Rect">
+            <a:avLst/>
+          </a:prstGeom>
+          <a:solidFill>
+            <a:schemeClr val="accent6">
+              <a:alpha val="72000"/>
+            </a:schemeClr>
+          </a:solidFill>
+          <a:ln>
+            <a:solidFill>
+              <a:schemeClr val="accent6"/>
+            </a:solidFill>
+          </a:ln>
+        </p:spPr>
+        <p:style>
+          <a:lnRef idx="2">
+            <a:schemeClr val="accent1">
+              <a:shade val="50000"/>
+            </a:schemeClr>
+          </a:lnRef>
+          <a:fillRef idx="1">
+            <a:schemeClr val="accent1"/>
+          </a:fillRef>
+          <a:effectRef idx="0">
+            <a:schemeClr val="accent1"/>
+          </a:effectRef>
+          <a:fontRef idx="minor">
+            <a:schemeClr val="lt1"/>
+          </a:fontRef>
+        </p:style>
+        <p:txBody>
+          <a:bodyPr rtlCol="0" anchor="ctr"/>
+          <a:lstStyle/>
+          <a:p>
+            <a:pPr algn="ctr"/>
+            <a:endParaRPr lang="en-SG" dirty="0"/>
+          </a:p>
+        </p:txBody>
+      </p:sp>
+      <p:sp>
+        <p:nvSpPr>
+          <p:cNvPr id="168" name="TextBox 167">
+            <a:extLst>
+              <a:ext uri="{FF2B5EF4-FFF2-40B4-BE49-F238E27FC236}">
+                <a16:creationId xmlns:a16="http://schemas.microsoft.com/office/drawing/2014/main" id="{60F25782-1D1D-48EB-9FEC-28A934E2DA0C}"/>
               </a:ext>
             </a:extLst>
           </p:cNvPr>
@@ -4122,8 +4261,132 @@
         </p:nvSpPr>
         <p:spPr>
           <a:xfrm>
-            <a:off x="-133376" y="3607427"/>
-            <a:ext cx="1555395" cy="215444"/>
+            <a:off x="-1728230" y="2855882"/>
+            <a:ext cx="613637" cy="369332"/>
+          </a:xfrm>
+          <a:prstGeom prst="rect">
+            <a:avLst/>
+          </a:prstGeom>
+          <a:noFill/>
+        </p:spPr>
+        <p:txBody>
+          <a:bodyPr wrap="square" rtlCol="0">
+            <a:spAutoFit/>
+          </a:bodyPr>
+          <a:lstStyle/>
+          <a:p>
+            <a:r>
+              <a:rPr lang="en-SG" dirty="0">
+                <a:solidFill>
+                  <a:schemeClr val="bg1"/>
+                </a:solidFill>
+              </a:rPr>
+              <a:t>alt</a:t>
+            </a:r>
+          </a:p>
+        </p:txBody>
+      </p:sp>
+      <p:sp>
+        <p:nvSpPr>
+          <p:cNvPr id="169" name="TextBox 168">
+            <a:extLst>
+              <a:ext uri="{FF2B5EF4-FFF2-40B4-BE49-F238E27FC236}">
+                <a16:creationId xmlns:a16="http://schemas.microsoft.com/office/drawing/2014/main" id="{46FCE258-E56D-4C94-AA44-13AFBC722358}"/>
+              </a:ext>
+            </a:extLst>
+          </p:cNvPr>
+          <p:cNvSpPr txBox="1"/>
+          <p:nvPr/>
+        </p:nvSpPr>
+        <p:spPr>
+          <a:xfrm>
+            <a:off x="-1803281" y="3186859"/>
+            <a:ext cx="1624103" cy="276999"/>
+          </a:xfrm>
+          <a:prstGeom prst="rect">
+            <a:avLst/>
+          </a:prstGeom>
+          <a:noFill/>
+        </p:spPr>
+        <p:txBody>
+          <a:bodyPr wrap="square" rtlCol="0">
+            <a:spAutoFit/>
+          </a:bodyPr>
+          <a:lstStyle/>
+          <a:p>
+            <a:r>
+              <a:rPr lang="en-SG" sz="1200" dirty="0">
+                <a:solidFill>
+                  <a:schemeClr val="accent6"/>
+                </a:solidFill>
+              </a:rPr>
+              <a:t>[isPathValid == true]</a:t>
+            </a:r>
+          </a:p>
+        </p:txBody>
+      </p:sp>
+      <p:cxnSp>
+        <p:nvCxnSpPr>
+          <p:cNvPr id="118" name="Straight Arrow Connector 117">
+            <a:extLst>
+              <a:ext uri="{FF2B5EF4-FFF2-40B4-BE49-F238E27FC236}">
+                <a16:creationId xmlns:a16="http://schemas.microsoft.com/office/drawing/2014/main" id="{1642D1E8-8964-42B9-9EB1-EF4FDA2D0F9B}"/>
+              </a:ext>
+            </a:extLst>
+          </p:cNvPr>
+          <p:cNvCxnSpPr>
+            <a:cxnSpLocks/>
+          </p:cNvCxnSpPr>
+          <p:nvPr/>
+        </p:nvCxnSpPr>
+        <p:spPr>
+          <a:xfrm>
+            <a:off x="-2135883" y="6781800"/>
+            <a:ext cx="1683958" cy="0"/>
+          </a:xfrm>
+          <a:prstGeom prst="straightConnector1">
+            <a:avLst/>
+          </a:prstGeom>
+          <a:ln w="19050">
+            <a:solidFill>
+              <a:schemeClr val="accent6"/>
+            </a:solidFill>
+            <a:prstDash val="sysDash"/>
+            <a:headEnd type="arrow" w="med" len="med"/>
+            <a:tailEnd type="none" w="med" len="med"/>
+          </a:ln>
+        </p:spPr>
+        <p:style>
+          <a:lnRef idx="1">
+            <a:schemeClr val="accent1"/>
+          </a:lnRef>
+          <a:fillRef idx="0">
+            <a:schemeClr val="accent1"/>
+          </a:fillRef>
+          <a:effectRef idx="0">
+            <a:schemeClr val="accent1"/>
+          </a:effectRef>
+          <a:fontRef idx="minor">
+            <a:schemeClr val="tx1"/>
+          </a:fontRef>
+        </p:style>
+      </p:cxnSp>
+      <p:sp>
+        <p:nvSpPr>
+          <p:cNvPr id="74" name="TextBox 73">
+            <a:extLst>
+              <a:ext uri="{FF2B5EF4-FFF2-40B4-BE49-F238E27FC236}">
+                <a16:creationId xmlns:a16="http://schemas.microsoft.com/office/drawing/2014/main" id="{87DA5068-23DF-4659-9696-694801379F6D}"/>
+              </a:ext>
+            </a:extLst>
+          </p:cNvPr>
+          <p:cNvSpPr txBox="1"/>
+          <p:nvPr/>
+        </p:nvSpPr>
+        <p:spPr>
+          <a:xfrm>
+            <a:off x="3134257" y="3003483"/>
+            <a:ext cx="842906" cy="215444"/>
           </a:xfrm>
           <a:prstGeom prst="rect">
             <a:avLst/>
@@ -4150,174 +4413,20 @@
             <a:r>
               <a:rPr lang="en-US" dirty="0">
                 <a:solidFill>
-                  <a:srgbClr val="FF0000"/>
+                  <a:srgbClr val="31859C"/>
                 </a:solidFill>
               </a:rPr>
-              <a:t>isScriptFolderPresent</a:t>
-            </a:r>
-          </a:p>
-        </p:txBody>
-      </p:sp>
-      <p:cxnSp>
-        <p:nvCxnSpPr>
-          <p:cNvPr id="133" name="Straight Arrow Connector 132">
+              <a:t>scriptPath</a:t>
+            </a:r>
+          </a:p>
+        </p:txBody>
+      </p:sp>
+      <p:sp>
+        <p:nvSpPr>
+          <p:cNvPr id="76" name="TextBox 75">
             <a:extLst>
               <a:ext uri="{FF2B5EF4-FFF2-40B4-BE49-F238E27FC236}">
-                <a16:creationId xmlns:a16="http://schemas.microsoft.com/office/drawing/2014/main" id="{19DDEF1A-58FB-47FF-B9B9-A7AD79969B1C}"/>
-              </a:ext>
-            </a:extLst>
-          </p:cNvPr>
-          <p:cNvCxnSpPr>
-            <a:cxnSpLocks/>
-          </p:cNvCxnSpPr>
-          <p:nvPr/>
-        </p:nvCxnSpPr>
-        <p:spPr>
-          <a:xfrm>
-            <a:off x="-337983" y="3582911"/>
-            <a:ext cx="1939184" cy="0"/>
-          </a:xfrm>
-          <a:prstGeom prst="straightConnector1">
-            <a:avLst/>
-          </a:prstGeom>
-          <a:ln w="19050">
-            <a:solidFill>
-              <a:schemeClr val="accent2"/>
-            </a:solidFill>
-            <a:prstDash val="sysDash"/>
-            <a:headEnd type="arrow" w="med" len="med"/>
-            <a:tailEnd type="none" w="med" len="med"/>
-          </a:ln>
-        </p:spPr>
-        <p:style>
-          <a:lnRef idx="1">
-            <a:schemeClr val="accent1"/>
-          </a:lnRef>
-          <a:fillRef idx="0">
-            <a:schemeClr val="accent1"/>
-          </a:fillRef>
-          <a:effectRef idx="0">
-            <a:schemeClr val="accent1"/>
-          </a:effectRef>
-          <a:fontRef idx="minor">
-            <a:schemeClr val="tx1"/>
-          </a:fontRef>
-        </p:style>
-      </p:cxnSp>
-      <p:sp>
-        <p:nvSpPr>
-          <p:cNvPr id="164" name="Rectangle 163">
-            <a:extLst>
-              <a:ext uri="{FF2B5EF4-FFF2-40B4-BE49-F238E27FC236}">
-                <a16:creationId xmlns:a16="http://schemas.microsoft.com/office/drawing/2014/main" id="{3B370556-BD77-4474-9FDA-6B58DFCEEB59}"/>
-              </a:ext>
-            </a:extLst>
-          </p:cNvPr>
-          <p:cNvSpPr/>
-          <p:nvPr/>
-        </p:nvSpPr>
-        <p:spPr>
-          <a:xfrm>
-            <a:off x="-1955938" y="3861452"/>
-            <a:ext cx="4654856" cy="1466738"/>
-          </a:xfrm>
-          <a:prstGeom prst="rect">
-            <a:avLst/>
-          </a:prstGeom>
-          <a:solidFill>
-            <a:schemeClr val="accent1">
-              <a:alpha val="25000"/>
-            </a:schemeClr>
-          </a:solidFill>
-          <a:ln>
-            <a:noFill/>
-          </a:ln>
-        </p:spPr>
-        <p:style>
-          <a:lnRef idx="2">
-            <a:schemeClr val="accent1">
-              <a:shade val="50000"/>
-            </a:schemeClr>
-          </a:lnRef>
-          <a:fillRef idx="1">
-            <a:schemeClr val="accent1"/>
-          </a:fillRef>
-          <a:effectRef idx="0">
-            <a:schemeClr val="accent1"/>
-          </a:effectRef>
-          <a:fontRef idx="minor">
-            <a:schemeClr val="lt1"/>
-          </a:fontRef>
-        </p:style>
-        <p:txBody>
-          <a:bodyPr rtlCol="0" anchor="ctr"/>
-          <a:lstStyle/>
-          <a:p>
-            <a:pPr algn="ctr"/>
-            <a:endParaRPr lang="en-SG"/>
-          </a:p>
-        </p:txBody>
-      </p:sp>
-      <p:sp>
-        <p:nvSpPr>
-          <p:cNvPr id="167" name="Rectangle: Single Corner Snipped 166">
-            <a:extLst>
-              <a:ext uri="{FF2B5EF4-FFF2-40B4-BE49-F238E27FC236}">
-                <a16:creationId xmlns:a16="http://schemas.microsoft.com/office/drawing/2014/main" id="{69B1AD43-7D1B-445C-A7CB-7C248EE3953C}"/>
-              </a:ext>
-            </a:extLst>
-          </p:cNvPr>
-          <p:cNvSpPr/>
-          <p:nvPr/>
-        </p:nvSpPr>
-        <p:spPr>
-          <a:xfrm rot="10800000" flipH="1">
-            <a:off x="-1915976" y="3885196"/>
-            <a:ext cx="533400" cy="287343"/>
-          </a:xfrm>
-          <a:prstGeom prst="snip1Rect">
-            <a:avLst/>
-          </a:prstGeom>
-          <a:solidFill>
-            <a:schemeClr val="accent1">
-              <a:alpha val="72000"/>
-            </a:schemeClr>
-          </a:solidFill>
-          <a:ln>
-            <a:noFill/>
-          </a:ln>
-        </p:spPr>
-        <p:style>
-          <a:lnRef idx="2">
-            <a:schemeClr val="accent1">
-              <a:shade val="50000"/>
-            </a:schemeClr>
-          </a:lnRef>
-          <a:fillRef idx="1">
-            <a:schemeClr val="accent1"/>
-          </a:fillRef>
-          <a:effectRef idx="0">
-            <a:schemeClr val="accent1"/>
-          </a:effectRef>
-          <a:fontRef idx="minor">
-            <a:schemeClr val="lt1"/>
-          </a:fontRef>
-        </p:style>
-        <p:txBody>
-          <a:bodyPr rtlCol="0" anchor="ctr"/>
-          <a:lstStyle/>
-          <a:p>
-            <a:pPr algn="ctr"/>
-            <a:endParaRPr lang="en-SG" dirty="0"/>
-          </a:p>
-        </p:txBody>
-      </p:sp>
-      <p:sp>
-        <p:nvSpPr>
-          <p:cNvPr id="168" name="TextBox 167">
-            <a:extLst>
-              <a:ext uri="{FF2B5EF4-FFF2-40B4-BE49-F238E27FC236}">
-                <a16:creationId xmlns:a16="http://schemas.microsoft.com/office/drawing/2014/main" id="{60F25782-1D1D-48EB-9FEC-28A934E2DA0C}"/>
+                <a16:creationId xmlns:a16="http://schemas.microsoft.com/office/drawing/2014/main" id="{0F5DF299-8104-40F1-9F35-F0F05B5D327C}"/>
               </a:ext>
             </a:extLst>
           </p:cNvPr>
@@ -4326,178 +4435,8 @@
         </p:nvSpPr>
         <p:spPr>
           <a:xfrm>
-            <a:off x="-1907602" y="3858090"/>
-            <a:ext cx="613637" cy="369332"/>
-          </a:xfrm>
-          <a:prstGeom prst="rect">
-            <a:avLst/>
-          </a:prstGeom>
-          <a:noFill/>
-        </p:spPr>
-        <p:txBody>
-          <a:bodyPr wrap="square" rtlCol="0">
-            <a:spAutoFit/>
-          </a:bodyPr>
-          <a:lstStyle/>
-          <a:p>
-            <a:r>
-              <a:rPr lang="en-SG" dirty="0">
-                <a:solidFill>
-                  <a:schemeClr val="bg1"/>
-                </a:solidFill>
-              </a:rPr>
-              <a:t>alt</a:t>
-            </a:r>
-          </a:p>
-        </p:txBody>
-      </p:sp>
-      <p:sp>
-        <p:nvSpPr>
-          <p:cNvPr id="169" name="TextBox 168">
-            <a:extLst>
-              <a:ext uri="{FF2B5EF4-FFF2-40B4-BE49-F238E27FC236}">
-                <a16:creationId xmlns:a16="http://schemas.microsoft.com/office/drawing/2014/main" id="{46FCE258-E56D-4C94-AA44-13AFBC722358}"/>
-              </a:ext>
-            </a:extLst>
-          </p:cNvPr>
-          <p:cNvSpPr txBox="1"/>
-          <p:nvPr/>
-        </p:nvSpPr>
-        <p:spPr>
-          <a:xfrm>
-            <a:off x="-2013872" y="4150477"/>
-            <a:ext cx="2551266" cy="276999"/>
-          </a:xfrm>
-          <a:prstGeom prst="rect">
-            <a:avLst/>
-          </a:prstGeom>
-          <a:noFill/>
-        </p:spPr>
-        <p:txBody>
-          <a:bodyPr wrap="square" rtlCol="0">
-            <a:spAutoFit/>
-          </a:bodyPr>
-          <a:lstStyle/>
-          <a:p>
-            <a:r>
-              <a:rPr lang="en-SG" sz="1200" dirty="0">
-                <a:solidFill>
-                  <a:schemeClr val="bg1"/>
-                </a:solidFill>
-              </a:rPr>
-              <a:t>(!isScriptFolderPresent)</a:t>
-            </a:r>
-          </a:p>
-        </p:txBody>
-      </p:sp>
-      <p:cxnSp>
-        <p:nvCxnSpPr>
-          <p:cNvPr id="118" name="Straight Arrow Connector 117">
-            <a:extLst>
-              <a:ext uri="{FF2B5EF4-FFF2-40B4-BE49-F238E27FC236}">
-                <a16:creationId xmlns:a16="http://schemas.microsoft.com/office/drawing/2014/main" id="{1642D1E8-8964-42B9-9EB1-EF4FDA2D0F9B}"/>
-              </a:ext>
-            </a:extLst>
-          </p:cNvPr>
-          <p:cNvCxnSpPr>
-            <a:cxnSpLocks/>
-          </p:cNvCxnSpPr>
-          <p:nvPr/>
-        </p:nvCxnSpPr>
-        <p:spPr>
-          <a:xfrm>
-            <a:off x="-1543358" y="5410200"/>
-            <a:ext cx="1084608" cy="0"/>
-          </a:xfrm>
-          <a:prstGeom prst="straightConnector1">
-            <a:avLst/>
-          </a:prstGeom>
-          <a:ln w="19050">
-            <a:solidFill>
-              <a:srgbClr val="0070C0"/>
-            </a:solidFill>
-            <a:prstDash val="sysDash"/>
-            <a:headEnd type="arrow" w="med" len="med"/>
-            <a:tailEnd type="none" w="med" len="med"/>
-          </a:ln>
-        </p:spPr>
-        <p:style>
-          <a:lnRef idx="1">
-            <a:schemeClr val="accent1"/>
-          </a:lnRef>
-          <a:fillRef idx="0">
-            <a:schemeClr val="accent1"/>
-          </a:fillRef>
-          <a:effectRef idx="0">
-            <a:schemeClr val="accent1"/>
-          </a:effectRef>
-          <a:fontRef idx="minor">
-            <a:schemeClr val="tx1"/>
-          </a:fontRef>
-        </p:style>
-      </p:cxnSp>
-      <p:cxnSp>
-        <p:nvCxnSpPr>
-          <p:cNvPr id="73" name="Straight Arrow Connector 72">
-            <a:extLst>
-              <a:ext uri="{FF2B5EF4-FFF2-40B4-BE49-F238E27FC236}">
-                <a16:creationId xmlns:a16="http://schemas.microsoft.com/office/drawing/2014/main" id="{3805ADF4-5B22-44CD-A68F-99A2FEDC65CE}"/>
-              </a:ext>
-            </a:extLst>
-          </p:cNvPr>
-          <p:cNvCxnSpPr>
-            <a:cxnSpLocks/>
-          </p:cNvCxnSpPr>
-          <p:nvPr/>
-        </p:nvCxnSpPr>
-        <p:spPr>
-          <a:xfrm>
-            <a:off x="-329257" y="2599406"/>
-            <a:ext cx="1930458" cy="0"/>
-          </a:xfrm>
-          <a:prstGeom prst="straightConnector1">
-            <a:avLst/>
-          </a:prstGeom>
-          <a:ln w="19050">
-            <a:solidFill>
-              <a:schemeClr val="accent2"/>
-            </a:solidFill>
-            <a:prstDash val="sysDash"/>
-            <a:headEnd type="arrow" w="med" len="med"/>
-            <a:tailEnd type="none" w="med" len="med"/>
-          </a:ln>
-        </p:spPr>
-        <p:style>
-          <a:lnRef idx="1">
-            <a:schemeClr val="accent1"/>
-          </a:lnRef>
-          <a:fillRef idx="0">
-            <a:schemeClr val="accent1"/>
-          </a:fillRef>
-          <a:effectRef idx="0">
-            <a:schemeClr val="accent1"/>
-          </a:effectRef>
-          <a:fontRef idx="minor">
-            <a:schemeClr val="tx1"/>
-          </a:fontRef>
-        </p:style>
-      </p:cxnSp>
-      <p:sp>
-        <p:nvSpPr>
-          <p:cNvPr id="74" name="TextBox 73">
-            <a:extLst>
-              <a:ext uri="{FF2B5EF4-FFF2-40B4-BE49-F238E27FC236}">
-                <a16:creationId xmlns:a16="http://schemas.microsoft.com/office/drawing/2014/main" id="{87DA5068-23DF-4659-9696-694801379F6D}"/>
-              </a:ext>
-            </a:extLst>
-          </p:cNvPr>
-          <p:cNvSpPr txBox="1"/>
-          <p:nvPr/>
-        </p:nvSpPr>
-        <p:spPr>
-          <a:xfrm>
-            <a:off x="201006" y="2339372"/>
-            <a:ext cx="821938" cy="215444"/>
+            <a:off x="4343851" y="5816506"/>
+            <a:ext cx="2666296" cy="215444"/>
           </a:xfrm>
           <a:prstGeom prst="rect">
             <a:avLst/>
@@ -4521,23 +4460,64 @@
             </a:lvl1pPr>
           </a:lstStyle>
           <a:p>
+            <a:pPr algn="ctr"/>
             <a:r>
               <a:rPr lang="en-US" dirty="0">
                 <a:solidFill>
-                  <a:srgbClr val="FF0000"/>
+                  <a:srgbClr val="31859C"/>
                 </a:solidFill>
               </a:rPr>
-              <a:t>scriptPath</a:t>
+              <a:t>createFolder(scriptPath)</a:t>
+            </a:r>
+          </a:p>
+        </p:txBody>
+      </p:sp>
+      <p:sp>
+        <p:nvSpPr>
+          <p:cNvPr id="91" name="TextBox 90">
+            <a:extLst>
+              <a:ext uri="{FF2B5EF4-FFF2-40B4-BE49-F238E27FC236}">
+                <a16:creationId xmlns:a16="http://schemas.microsoft.com/office/drawing/2014/main" id="{13B4BFCC-89C5-4C37-A979-3C33070CEC8C}"/>
+              </a:ext>
+            </a:extLst>
+          </p:cNvPr>
+          <p:cNvSpPr txBox="1"/>
+          <p:nvPr/>
+        </p:nvSpPr>
+        <p:spPr>
+          <a:xfrm>
+            <a:off x="-255897" y="6285588"/>
+            <a:ext cx="3653759" cy="215444"/>
+          </a:xfrm>
+          <a:prstGeom prst="rect">
+            <a:avLst/>
+          </a:prstGeom>
+          <a:noFill/>
+        </p:spPr>
+        <p:txBody>
+          <a:bodyPr wrap="square" lIns="0" tIns="0" rIns="0" bIns="0" rtlCol="0">
+            <a:spAutoFit/>
+          </a:bodyPr>
+          <a:lstStyle/>
+          <a:p>
+            <a:pPr algn="ctr"/>
+            <a:r>
+              <a:rPr lang="en-US" sz="1400" dirty="0">
+                <a:solidFill>
+                  <a:schemeClr val="accent6"/>
+                </a:solidFill>
+              </a:rPr>
+              <a:t>addSampleTextFile(scriptFolder, defaultLocation)</a:t>
             </a:r>
           </a:p>
         </p:txBody>
       </p:sp>
       <p:cxnSp>
         <p:nvCxnSpPr>
-          <p:cNvPr id="75" name="Straight Arrow Connector 74">
+          <p:cNvPr id="119" name="Connector: Curved 118">
             <a:extLst>
               <a:ext uri="{FF2B5EF4-FFF2-40B4-BE49-F238E27FC236}">
-                <a16:creationId xmlns:a16="http://schemas.microsoft.com/office/drawing/2014/main" id="{FE6E83CD-CC8E-4106-8A7A-EA3E9FF271E3}"/>
+                <a16:creationId xmlns:a16="http://schemas.microsoft.com/office/drawing/2014/main" id="{08E9ED8E-7B65-4D5A-A160-422D68A4C618}"/>
               </a:ext>
             </a:extLst>
           </p:cNvPr>
@@ -4548,17 +4528,19 @@
         </p:nvCxnSpPr>
         <p:spPr>
           <a:xfrm>
-            <a:off x="-318833" y="2815267"/>
-            <a:ext cx="1910143" cy="8530"/>
-          </a:xfrm>
-          <a:prstGeom prst="straightConnector1">
-            <a:avLst/>
+            <a:off x="-296287" y="6180625"/>
+            <a:ext cx="77219" cy="61094"/>
+          </a:xfrm>
+          <a:prstGeom prst="curvedConnector3">
+            <a:avLst>
+              <a:gd name="adj1" fmla="val 730688"/>
+            </a:avLst>
           </a:prstGeom>
           <a:ln w="19050">
             <a:solidFill>
-              <a:schemeClr val="accent2"/>
+              <a:schemeClr val="accent6"/>
             </a:solidFill>
-            <a:tailEnd type="arrow"/>
+            <a:tailEnd type="triangle"/>
           </a:ln>
         </p:spPr>
         <p:style>
@@ -4578,10 +4560,143 @@
       </p:cxnSp>
       <p:sp>
         <p:nvSpPr>
-          <p:cNvPr id="76" name="TextBox 75">
+          <p:cNvPr id="54" name="Rectangle 62">
             <a:extLst>
               <a:ext uri="{FF2B5EF4-FFF2-40B4-BE49-F238E27FC236}">
-                <a16:creationId xmlns:a16="http://schemas.microsoft.com/office/drawing/2014/main" id="{0F5DF299-8104-40F1-9F35-F0F05B5D327C}"/>
+                <a16:creationId xmlns:a16="http://schemas.microsoft.com/office/drawing/2014/main" id="{B5DFC064-E6A7-4D18-8CEB-E4E1957CD13D}"/>
+              </a:ext>
+            </a:extLst>
+          </p:cNvPr>
+          <p:cNvSpPr/>
+          <p:nvPr/>
+        </p:nvSpPr>
+        <p:spPr>
+          <a:xfrm>
+            <a:off x="874868" y="381000"/>
+            <a:ext cx="1158750" cy="467684"/>
+          </a:xfrm>
+          <a:prstGeom prst="rect">
+            <a:avLst/>
+          </a:prstGeom>
+          <a:solidFill>
+            <a:schemeClr val="accent6"/>
+          </a:solidFill>
+          <a:ln w="19050">
+            <a:solidFill>
+              <a:schemeClr val="accent6"/>
+            </a:solidFill>
+          </a:ln>
+          <a:effectLst/>
+        </p:spPr>
+        <p:style>
+          <a:lnRef idx="1">
+            <a:schemeClr val="accent2"/>
+          </a:lnRef>
+          <a:fillRef idx="2">
+            <a:schemeClr val="accent2"/>
+          </a:fillRef>
+          <a:effectRef idx="1">
+            <a:schemeClr val="accent2"/>
+          </a:effectRef>
+          <a:fontRef idx="minor">
+            <a:schemeClr val="dk1"/>
+          </a:fontRef>
+        </p:style>
+        <p:txBody>
+          <a:bodyPr rtlCol="0" anchor="ctr"/>
+          <a:lstStyle/>
+          <a:p>
+            <a:pPr algn="ctr"/>
+            <a:r>
+              <a:rPr lang="en-US" sz="1600" dirty="0">
+                <a:solidFill>
+                  <a:schemeClr val="bg1"/>
+                </a:solidFill>
+              </a:rPr>
+              <a:t>userPrefs</a:t>
+            </a:r>
+          </a:p>
+          <a:p>
+            <a:pPr algn="ctr"/>
+            <a:r>
+              <a:rPr lang="en-US" sz="1600" dirty="0">
+                <a:solidFill>
+                  <a:schemeClr val="bg1"/>
+                </a:solidFill>
+              </a:rPr>
+              <a:t>:UserPrefs</a:t>
+            </a:r>
+            <a:endParaRPr lang="en-SG" sz="1600" dirty="0">
+              <a:solidFill>
+                <a:schemeClr val="bg1"/>
+              </a:solidFill>
+            </a:endParaRPr>
+          </a:p>
+        </p:txBody>
+      </p:sp>
+      <p:sp>
+        <p:nvSpPr>
+          <p:cNvPr id="56" name="Rectangle 55">
+            <a:extLst>
+              <a:ext uri="{FF2B5EF4-FFF2-40B4-BE49-F238E27FC236}">
+                <a16:creationId xmlns:a16="http://schemas.microsoft.com/office/drawing/2014/main" id="{1B8FBECE-6986-40BF-B0DD-69EDAC10159C}"/>
+              </a:ext>
+            </a:extLst>
+          </p:cNvPr>
+          <p:cNvSpPr/>
+          <p:nvPr/>
+        </p:nvSpPr>
+        <p:spPr>
+          <a:xfrm>
+            <a:off x="1397034" y="1005217"/>
+            <a:ext cx="120505" cy="878796"/>
+          </a:xfrm>
+          <a:prstGeom prst="rect">
+            <a:avLst/>
+          </a:prstGeom>
+          <a:solidFill>
+            <a:schemeClr val="accent6"/>
+          </a:solidFill>
+          <a:ln>
+            <a:solidFill>
+              <a:schemeClr val="accent6"/>
+            </a:solidFill>
+          </a:ln>
+          <a:effectLst/>
+        </p:spPr>
+        <p:style>
+          <a:lnRef idx="1">
+            <a:schemeClr val="accent3"/>
+          </a:lnRef>
+          <a:fillRef idx="2">
+            <a:schemeClr val="accent3"/>
+          </a:fillRef>
+          <a:effectRef idx="1">
+            <a:schemeClr val="accent3"/>
+          </a:effectRef>
+          <a:fontRef idx="minor">
+            <a:schemeClr val="dk1"/>
+          </a:fontRef>
+        </p:style>
+        <p:txBody>
+          <a:bodyPr rtlCol="0" anchor="ctr"/>
+          <a:lstStyle/>
+          <a:p>
+            <a:pPr algn="ctr"/>
+            <a:endParaRPr lang="en-SG" sz="1400">
+              <a:solidFill>
+                <a:schemeClr val="dk1"/>
+              </a:solidFill>
+            </a:endParaRPr>
+          </a:p>
+        </p:txBody>
+      </p:sp>
+      <p:sp>
+        <p:nvSpPr>
+          <p:cNvPr id="62" name="TextBox 61">
+            <a:extLst>
+              <a:ext uri="{FF2B5EF4-FFF2-40B4-BE49-F238E27FC236}">
+                <a16:creationId xmlns:a16="http://schemas.microsoft.com/office/drawing/2014/main" id="{D1C870FC-CED8-4306-BF40-3EC633D333D8}"/>
               </a:ext>
             </a:extLst>
           </p:cNvPr>
@@ -4590,8 +4705,8 @@
         </p:nvSpPr>
         <p:spPr>
           <a:xfrm>
-            <a:off x="-39305" y="2838370"/>
-            <a:ext cx="1243673" cy="646331"/>
+            <a:off x="-285156" y="1229843"/>
+            <a:ext cx="1635552" cy="430887"/>
           </a:xfrm>
           <a:prstGeom prst="rect">
             <a:avLst/>
@@ -4617,38 +4732,33 @@
           <a:p>
             <a:pPr algn="ctr"/>
             <a:r>
-              <a:rPr lang="en-US" dirty="0" err="1">
+              <a:rPr lang="en-US" dirty="0">
                 <a:solidFill>
-                  <a:srgbClr val="FF0000"/>
+                  <a:schemeClr val="accent6"/>
                 </a:solidFill>
               </a:rPr>
-              <a:t>createFolder</a:t>
-            </a:r>
-            <a:endParaRPr lang="en-US" dirty="0">
-              <a:solidFill>
-                <a:srgbClr val="FF0000"/>
-              </a:solidFill>
-            </a:endParaRPr>
+              <a:t>getScriptFileDirectory</a:t>
+            </a:r>
           </a:p>
           <a:p>
             <a:pPr algn="ctr"/>
             <a:r>
               <a:rPr lang="en-US" dirty="0">
                 <a:solidFill>
-                  <a:srgbClr val="FF0000"/>
+                  <a:schemeClr val="accent6"/>
                 </a:solidFill>
               </a:rPr>
-              <a:t>(ProjectLocation + “/Scripts/”)</a:t>
-            </a:r>
-          </a:p>
-        </p:txBody>
-      </p:sp>
-      <p:sp>
-        <p:nvSpPr>
-          <p:cNvPr id="91" name="TextBox 90">
+              <a:t>()</a:t>
+            </a:r>
+          </a:p>
+        </p:txBody>
+      </p:sp>
+      <p:sp>
+        <p:nvSpPr>
+          <p:cNvPr id="68" name="TextBox 67">
             <a:extLst>
               <a:ext uri="{FF2B5EF4-FFF2-40B4-BE49-F238E27FC236}">
-                <a16:creationId xmlns:a16="http://schemas.microsoft.com/office/drawing/2014/main" id="{13B4BFCC-89C5-4C37-A979-3C33070CEC8C}"/>
+                <a16:creationId xmlns:a16="http://schemas.microsoft.com/office/drawing/2014/main" id="{D6765E26-A1E9-492D-A1C1-7B9911394324}"/>
               </a:ext>
             </a:extLst>
           </p:cNvPr>
@@ -4657,620 +4767,16 @@
         </p:nvSpPr>
         <p:spPr>
           <a:xfrm>
-            <a:off x="-210033" y="4227259"/>
-            <a:ext cx="1386149" cy="646331"/>
+            <a:off x="-275445" y="1775366"/>
+            <a:ext cx="1635552" cy="215444"/>
           </a:xfrm>
           <a:prstGeom prst="rect">
             <a:avLst/>
           </a:prstGeom>
           <a:noFill/>
-        </p:spPr>
-        <p:txBody>
-          <a:bodyPr wrap="square" lIns="0" tIns="0" rIns="0" bIns="0" rtlCol="0">
-            <a:spAutoFit/>
-          </a:bodyPr>
-          <a:lstStyle/>
-          <a:p>
-            <a:pPr algn="ctr"/>
-            <a:r>
-              <a:rPr lang="en-US" sz="1400" dirty="0">
-                <a:solidFill>
-                  <a:srgbClr val="0070C0"/>
-                </a:solidFill>
-              </a:rPr>
-              <a:t>addSampleTextFile(“/scripts”, defaultLocation)</a:t>
-            </a:r>
-          </a:p>
-        </p:txBody>
-      </p:sp>
-      <p:cxnSp>
-        <p:nvCxnSpPr>
-          <p:cNvPr id="119" name="Connector: Curved 118">
-            <a:extLst>
-              <a:ext uri="{FF2B5EF4-FFF2-40B4-BE49-F238E27FC236}">
-                <a16:creationId xmlns:a16="http://schemas.microsoft.com/office/drawing/2014/main" id="{08E9ED8E-7B65-4D5A-A160-422D68A4C618}"/>
-              </a:ext>
-            </a:extLst>
-          </p:cNvPr>
-          <p:cNvCxnSpPr>
-            <a:cxnSpLocks/>
-          </p:cNvCxnSpPr>
-          <p:nvPr/>
-        </p:nvCxnSpPr>
-        <p:spPr>
-          <a:xfrm>
-            <a:off x="-367867" y="4140875"/>
-            <a:ext cx="77219" cy="61094"/>
-          </a:xfrm>
-          <a:prstGeom prst="curvedConnector3">
-            <a:avLst>
-              <a:gd name="adj1" fmla="val 835537"/>
-            </a:avLst>
-          </a:prstGeom>
-          <a:ln w="19050">
-            <a:solidFill>
-              <a:schemeClr val="accent1"/>
-            </a:solidFill>
-            <a:tailEnd type="triangle"/>
+          <a:ln>
+            <a:noFill/>
           </a:ln>
-        </p:spPr>
-        <p:style>
-          <a:lnRef idx="1">
-            <a:schemeClr val="accent1"/>
-          </a:lnRef>
-          <a:fillRef idx="0">
-            <a:schemeClr val="accent1"/>
-          </a:fillRef>
-          <a:effectRef idx="0">
-            <a:schemeClr val="accent1"/>
-          </a:effectRef>
-          <a:fontRef idx="minor">
-            <a:schemeClr val="tx1"/>
-          </a:fontRef>
-        </p:style>
-      </p:cxnSp>
-      <p:sp>
-        <p:nvSpPr>
-          <p:cNvPr id="121" name="Rectangle 65">
-            <a:extLst>
-              <a:ext uri="{FF2B5EF4-FFF2-40B4-BE49-F238E27FC236}">
-                <a16:creationId xmlns:a16="http://schemas.microsoft.com/office/drawing/2014/main" id="{6D277770-6951-4B1F-A7E2-AF04F5D8CDB9}"/>
-              </a:ext>
-            </a:extLst>
-          </p:cNvPr>
-          <p:cNvSpPr/>
-          <p:nvPr/>
-        </p:nvSpPr>
-        <p:spPr>
-          <a:xfrm>
-            <a:off x="2738879" y="0"/>
-            <a:ext cx="7014721" cy="6858000"/>
-          </a:xfrm>
-          <a:prstGeom prst="roundRect">
-            <a:avLst>
-              <a:gd name="adj" fmla="val 0"/>
-            </a:avLst>
-          </a:prstGeom>
-          <a:solidFill>
-            <a:schemeClr val="accent1">
-              <a:lumMod val="20000"/>
-              <a:lumOff val="80000"/>
-            </a:schemeClr>
-          </a:solidFill>
-          <a:ln w="19050">
-            <a:solidFill>
-              <a:schemeClr val="accent1"/>
-            </a:solidFill>
-          </a:ln>
-          <a:effectLst/>
-        </p:spPr>
-        <p:style>
-          <a:lnRef idx="1">
-            <a:schemeClr val="accent2"/>
-          </a:lnRef>
-          <a:fillRef idx="2">
-            <a:schemeClr val="accent2"/>
-          </a:fillRef>
-          <a:effectRef idx="1">
-            <a:schemeClr val="accent2"/>
-          </a:effectRef>
-          <a:fontRef idx="minor">
-            <a:schemeClr val="dk1"/>
-          </a:fontRef>
-        </p:style>
-        <p:txBody>
-          <a:bodyPr rtlCol="0" anchor="t"/>
-          <a:lstStyle/>
-          <a:p>
-            <a:endParaRPr lang="en-US" sz="1200" b="1" dirty="0">
-              <a:solidFill>
-                <a:srgbClr val="0070C0"/>
-              </a:solidFill>
-            </a:endParaRPr>
-          </a:p>
-          <a:p>
-            <a:endParaRPr lang="en-US" sz="1200" b="1" dirty="0">
-              <a:solidFill>
-                <a:srgbClr val="0070C0"/>
-              </a:solidFill>
-            </a:endParaRPr>
-          </a:p>
-          <a:p>
-            <a:endParaRPr lang="en-US" sz="1200" b="1" dirty="0">
-              <a:solidFill>
-                <a:srgbClr val="0070C0"/>
-              </a:solidFill>
-            </a:endParaRPr>
-          </a:p>
-          <a:p>
-            <a:endParaRPr lang="en-US" sz="1200" b="1" dirty="0">
-              <a:solidFill>
-                <a:srgbClr val="0070C0"/>
-              </a:solidFill>
-            </a:endParaRPr>
-          </a:p>
-          <a:p>
-            <a:endParaRPr lang="en-US" sz="1200" b="1" dirty="0">
-              <a:solidFill>
-                <a:srgbClr val="0070C0"/>
-              </a:solidFill>
-            </a:endParaRPr>
-          </a:p>
-          <a:p>
-            <a:endParaRPr lang="en-US" sz="1200" b="1" dirty="0">
-              <a:solidFill>
-                <a:srgbClr val="0070C0"/>
-              </a:solidFill>
-            </a:endParaRPr>
-          </a:p>
-        </p:txBody>
-      </p:sp>
-      <p:sp>
-        <p:nvSpPr>
-          <p:cNvPr id="122" name="Rectangle 62">
-            <a:extLst>
-              <a:ext uri="{FF2B5EF4-FFF2-40B4-BE49-F238E27FC236}">
-                <a16:creationId xmlns:a16="http://schemas.microsoft.com/office/drawing/2014/main" id="{4403717D-7216-426C-B5F9-9C0C8D62945B}"/>
-              </a:ext>
-            </a:extLst>
-          </p:cNvPr>
-          <p:cNvSpPr/>
-          <p:nvPr/>
-        </p:nvSpPr>
-        <p:spPr>
-          <a:xfrm>
-            <a:off x="3948442" y="842974"/>
-            <a:ext cx="1455629" cy="346760"/>
-          </a:xfrm>
-          <a:prstGeom prst="rect">
-            <a:avLst/>
-          </a:prstGeom>
-          <a:solidFill>
-            <a:srgbClr val="0070C0"/>
-          </a:solidFill>
-          <a:ln w="19050">
-            <a:solidFill>
-              <a:srgbClr val="0070C0"/>
-            </a:solidFill>
-          </a:ln>
-          <a:effectLst/>
-        </p:spPr>
-        <p:style>
-          <a:lnRef idx="1">
-            <a:schemeClr val="accent2"/>
-          </a:lnRef>
-          <a:fillRef idx="2">
-            <a:schemeClr val="accent2"/>
-          </a:fillRef>
-          <a:effectRef idx="1">
-            <a:schemeClr val="accent2"/>
-          </a:effectRef>
-          <a:fontRef idx="minor">
-            <a:schemeClr val="dk1"/>
-          </a:fontRef>
-        </p:style>
-        <p:txBody>
-          <a:bodyPr rtlCol="0" anchor="ctr"/>
-          <a:lstStyle/>
-          <a:p>
-            <a:pPr algn="ctr"/>
-            <a:r>
-              <a:rPr lang="en-US" sz="1600" dirty="0">
-                <a:solidFill>
-                  <a:schemeClr val="bg1"/>
-                </a:solidFill>
-              </a:rPr>
-              <a:t>:ScriptSetup</a:t>
-            </a:r>
-            <a:endParaRPr lang="en-SG" sz="1600" dirty="0">
-              <a:solidFill>
-                <a:schemeClr val="bg1"/>
-              </a:solidFill>
-            </a:endParaRPr>
-          </a:p>
-        </p:txBody>
-      </p:sp>
-      <p:cxnSp>
-        <p:nvCxnSpPr>
-          <p:cNvPr id="124" name="Straight Connector 123">
-            <a:extLst>
-              <a:ext uri="{FF2B5EF4-FFF2-40B4-BE49-F238E27FC236}">
-                <a16:creationId xmlns:a16="http://schemas.microsoft.com/office/drawing/2014/main" id="{962A441C-E310-4768-BDE8-711B51E4A66E}"/>
-              </a:ext>
-            </a:extLst>
-          </p:cNvPr>
-          <p:cNvCxnSpPr>
-            <a:cxnSpLocks/>
-            <a:stCxn id="122" idx="2"/>
-          </p:cNvCxnSpPr>
-          <p:nvPr/>
-        </p:nvCxnSpPr>
-        <p:spPr>
-          <a:xfrm>
-            <a:off x="4676257" y="1189734"/>
-            <a:ext cx="0" cy="3683856"/>
-          </a:xfrm>
-          <a:prstGeom prst="line">
-            <a:avLst/>
-          </a:prstGeom>
-          <a:ln w="19050">
-            <a:solidFill>
-              <a:srgbClr val="0070C0"/>
-            </a:solidFill>
-            <a:prstDash val="sysDash"/>
-          </a:ln>
-          <a:effectLst/>
-        </p:spPr>
-        <p:style>
-          <a:lnRef idx="1">
-            <a:schemeClr val="accent1"/>
-          </a:lnRef>
-          <a:fillRef idx="2">
-            <a:schemeClr val="accent1"/>
-          </a:fillRef>
-          <a:effectRef idx="1">
-            <a:schemeClr val="accent1"/>
-          </a:effectRef>
-          <a:fontRef idx="minor">
-            <a:schemeClr val="dk1"/>
-          </a:fontRef>
-        </p:style>
-      </p:cxnSp>
-      <p:sp>
-        <p:nvSpPr>
-          <p:cNvPr id="126" name="Rectangle 125">
-            <a:extLst>
-              <a:ext uri="{FF2B5EF4-FFF2-40B4-BE49-F238E27FC236}">
-                <a16:creationId xmlns:a16="http://schemas.microsoft.com/office/drawing/2014/main" id="{9390D805-5CE0-4EE9-ABFC-9A0EB03FFBF1}"/>
-              </a:ext>
-            </a:extLst>
-          </p:cNvPr>
-          <p:cNvSpPr/>
-          <p:nvPr/>
-        </p:nvSpPr>
-        <p:spPr>
-          <a:xfrm>
-            <a:off x="4611110" y="1404077"/>
-            <a:ext cx="134393" cy="3230804"/>
-          </a:xfrm>
-          <a:prstGeom prst="rect">
-            <a:avLst/>
-          </a:prstGeom>
-          <a:solidFill>
-            <a:srgbClr val="0070C0"/>
-          </a:solidFill>
-          <a:ln>
-            <a:solidFill>
-              <a:srgbClr val="0070C0"/>
-            </a:solidFill>
-          </a:ln>
-          <a:effectLst/>
-        </p:spPr>
-        <p:style>
-          <a:lnRef idx="1">
-            <a:schemeClr val="accent3"/>
-          </a:lnRef>
-          <a:fillRef idx="2">
-            <a:schemeClr val="accent3"/>
-          </a:fillRef>
-          <a:effectRef idx="1">
-            <a:schemeClr val="accent3"/>
-          </a:effectRef>
-          <a:fontRef idx="minor">
-            <a:schemeClr val="dk1"/>
-          </a:fontRef>
-        </p:style>
-        <p:txBody>
-          <a:bodyPr rtlCol="0" anchor="ctr"/>
-          <a:lstStyle/>
-          <a:p>
-            <a:pPr algn="ctr"/>
-            <a:endParaRPr lang="en-SG" sz="1400"/>
-          </a:p>
-        </p:txBody>
-      </p:sp>
-      <p:sp>
-        <p:nvSpPr>
-          <p:cNvPr id="127" name="Rectangle 62">
-            <a:extLst>
-              <a:ext uri="{FF2B5EF4-FFF2-40B4-BE49-F238E27FC236}">
-                <a16:creationId xmlns:a16="http://schemas.microsoft.com/office/drawing/2014/main" id="{7EEDDFE7-75A4-4B30-8C91-36583BDCBA02}"/>
-              </a:ext>
-            </a:extLst>
-          </p:cNvPr>
-          <p:cNvSpPr/>
-          <p:nvPr/>
-        </p:nvSpPr>
-        <p:spPr>
-          <a:xfrm>
-            <a:off x="8382000" y="826846"/>
-            <a:ext cx="1219200" cy="467684"/>
-          </a:xfrm>
-          <a:prstGeom prst="rect">
-            <a:avLst/>
-          </a:prstGeom>
-          <a:solidFill>
-            <a:schemeClr val="accent2"/>
-          </a:solidFill>
-          <a:ln w="19050">
-            <a:solidFill>
-              <a:schemeClr val="accent2"/>
-            </a:solidFill>
-          </a:ln>
-          <a:effectLst/>
-        </p:spPr>
-        <p:style>
-          <a:lnRef idx="1">
-            <a:schemeClr val="accent2"/>
-          </a:lnRef>
-          <a:fillRef idx="2">
-            <a:schemeClr val="accent2"/>
-          </a:fillRef>
-          <a:effectRef idx="1">
-            <a:schemeClr val="accent2"/>
-          </a:effectRef>
-          <a:fontRef idx="minor">
-            <a:schemeClr val="dk1"/>
-          </a:fontRef>
-        </p:style>
-        <p:txBody>
-          <a:bodyPr rtlCol="0" anchor="ctr"/>
-          <a:lstStyle/>
-          <a:p>
-            <a:pPr algn="ctr"/>
-            <a:r>
-              <a:rPr lang="en-US" sz="1600" dirty="0">
-                <a:solidFill>
-                  <a:schemeClr val="bg1"/>
-                </a:solidFill>
-              </a:rPr>
-              <a:t>:FileUtil</a:t>
-            </a:r>
-            <a:endParaRPr lang="en-SG" sz="1600" dirty="0">
-              <a:solidFill>
-                <a:schemeClr val="bg1"/>
-              </a:solidFill>
-            </a:endParaRPr>
-          </a:p>
-        </p:txBody>
-      </p:sp>
-      <p:cxnSp>
-        <p:nvCxnSpPr>
-          <p:cNvPr id="129" name="Straight Connector 128">
-            <a:extLst>
-              <a:ext uri="{FF2B5EF4-FFF2-40B4-BE49-F238E27FC236}">
-                <a16:creationId xmlns:a16="http://schemas.microsoft.com/office/drawing/2014/main" id="{0573B46B-8A3F-429D-969B-1603C373E282}"/>
-              </a:ext>
-            </a:extLst>
-          </p:cNvPr>
-          <p:cNvCxnSpPr>
-            <a:cxnSpLocks/>
-            <a:stCxn id="127" idx="2"/>
-          </p:cNvCxnSpPr>
-          <p:nvPr/>
-        </p:nvCxnSpPr>
-        <p:spPr>
-          <a:xfrm flipH="1">
-            <a:off x="8988137" y="1294530"/>
-            <a:ext cx="3463" cy="3429870"/>
-          </a:xfrm>
-          <a:prstGeom prst="line">
-            <a:avLst/>
-          </a:prstGeom>
-          <a:ln w="19050">
-            <a:solidFill>
-              <a:schemeClr val="accent2"/>
-            </a:solidFill>
-            <a:prstDash val="sysDash"/>
-          </a:ln>
-          <a:effectLst/>
-        </p:spPr>
-        <p:style>
-          <a:lnRef idx="1">
-            <a:schemeClr val="accent1"/>
-          </a:lnRef>
-          <a:fillRef idx="2">
-            <a:schemeClr val="accent1"/>
-          </a:fillRef>
-          <a:effectRef idx="1">
-            <a:schemeClr val="accent1"/>
-          </a:effectRef>
-          <a:fontRef idx="minor">
-            <a:schemeClr val="dk1"/>
-          </a:fontRef>
-        </p:style>
-      </p:cxnSp>
-      <p:sp>
-        <p:nvSpPr>
-          <p:cNvPr id="130" name="Rectangle 129">
-            <a:extLst>
-              <a:ext uri="{FF2B5EF4-FFF2-40B4-BE49-F238E27FC236}">
-                <a16:creationId xmlns:a16="http://schemas.microsoft.com/office/drawing/2014/main" id="{39497B21-8F79-4EE5-BFC9-46FFE1872A99}"/>
-              </a:ext>
-            </a:extLst>
-          </p:cNvPr>
-          <p:cNvSpPr/>
-          <p:nvPr/>
-        </p:nvSpPr>
-        <p:spPr>
-          <a:xfrm>
-            <a:off x="8927885" y="3352801"/>
-            <a:ext cx="120505" cy="1192248"/>
-          </a:xfrm>
-          <a:prstGeom prst="rect">
-            <a:avLst/>
-          </a:prstGeom>
-          <a:solidFill>
-            <a:schemeClr val="accent2"/>
-          </a:solidFill>
-          <a:ln>
-            <a:solidFill>
-              <a:schemeClr val="accent2"/>
-            </a:solidFill>
-          </a:ln>
-          <a:effectLst/>
-        </p:spPr>
-        <p:style>
-          <a:lnRef idx="1">
-            <a:schemeClr val="accent3"/>
-          </a:lnRef>
-          <a:fillRef idx="2">
-            <a:schemeClr val="accent3"/>
-          </a:fillRef>
-          <a:effectRef idx="1">
-            <a:schemeClr val="accent3"/>
-          </a:effectRef>
-          <a:fontRef idx="minor">
-            <a:schemeClr val="dk1"/>
-          </a:fontRef>
-        </p:style>
-        <p:txBody>
-          <a:bodyPr rtlCol="0" anchor="ctr"/>
-          <a:lstStyle/>
-          <a:p>
-            <a:pPr algn="ctr"/>
-            <a:endParaRPr lang="en-SG" sz="1400">
-              <a:solidFill>
-                <a:schemeClr val="dk1"/>
-              </a:solidFill>
-            </a:endParaRPr>
-          </a:p>
-        </p:txBody>
-      </p:sp>
-      <p:cxnSp>
-        <p:nvCxnSpPr>
-          <p:cNvPr id="131" name="Straight Arrow Connector 130">
-            <a:extLst>
-              <a:ext uri="{FF2B5EF4-FFF2-40B4-BE49-F238E27FC236}">
-                <a16:creationId xmlns:a16="http://schemas.microsoft.com/office/drawing/2014/main" id="{23E21B4A-02AD-42C1-9132-FEA309FCE6F8}"/>
-              </a:ext>
-            </a:extLst>
-          </p:cNvPr>
-          <p:cNvCxnSpPr/>
-          <p:nvPr/>
-        </p:nvCxnSpPr>
-        <p:spPr>
-          <a:xfrm>
-            <a:off x="3484434" y="1413919"/>
-            <a:ext cx="1119851" cy="0"/>
-          </a:xfrm>
-          <a:prstGeom prst="straightConnector1">
-            <a:avLst/>
-          </a:prstGeom>
-          <a:ln w="19050">
-            <a:solidFill>
-              <a:schemeClr val="accent1"/>
-            </a:solidFill>
-            <a:tailEnd type="arrow"/>
-          </a:ln>
-        </p:spPr>
-        <p:style>
-          <a:lnRef idx="1">
-            <a:schemeClr val="accent1"/>
-          </a:lnRef>
-          <a:fillRef idx="0">
-            <a:schemeClr val="accent1"/>
-          </a:fillRef>
-          <a:effectRef idx="0">
-            <a:schemeClr val="accent1"/>
-          </a:effectRef>
-          <a:fontRef idx="minor">
-            <a:schemeClr val="tx1"/>
-          </a:fontRef>
-        </p:style>
-      </p:cxnSp>
-      <p:sp>
-        <p:nvSpPr>
-          <p:cNvPr id="134" name="TextBox 133">
-            <a:extLst>
-              <a:ext uri="{FF2B5EF4-FFF2-40B4-BE49-F238E27FC236}">
-                <a16:creationId xmlns:a16="http://schemas.microsoft.com/office/drawing/2014/main" id="{B38D7C8F-ADD8-403C-A556-FEA9F2ABCF69}"/>
-              </a:ext>
-            </a:extLst>
-          </p:cNvPr>
-          <p:cNvSpPr txBox="1"/>
-          <p:nvPr/>
-        </p:nvSpPr>
-        <p:spPr>
-          <a:xfrm>
-            <a:off x="2927152" y="1439519"/>
-            <a:ext cx="1624103" cy="646331"/>
-          </a:xfrm>
-          <a:prstGeom prst="rect">
-            <a:avLst/>
-          </a:prstGeom>
-          <a:noFill/>
-        </p:spPr>
-        <p:txBody>
-          <a:bodyPr wrap="square" lIns="0" tIns="0" rIns="0" bIns="0" rtlCol="0">
-            <a:spAutoFit/>
-          </a:bodyPr>
-          <a:lstStyle/>
-          <a:p>
-            <a:pPr algn="ctr"/>
-            <a:r>
-              <a:rPr lang="en-US" sz="1400" dirty="0">
-                <a:solidFill>
-                  <a:srgbClr val="0070C0"/>
-                </a:solidFill>
-              </a:rPr>
-              <a:t>addSampleTextFile</a:t>
-            </a:r>
-          </a:p>
-          <a:p>
-            <a:pPr algn="ctr"/>
-            <a:r>
-              <a:rPr lang="en-US" sz="1400" dirty="0">
-                <a:solidFill>
-                  <a:srgbClr val="0070C0"/>
-                </a:solidFill>
-              </a:rPr>
-              <a:t>(“/scripts”, defaultLocation)</a:t>
-            </a:r>
-          </a:p>
-        </p:txBody>
-      </p:sp>
-      <p:sp>
-        <p:nvSpPr>
-          <p:cNvPr id="135" name="TextBox 134">
-            <a:extLst>
-              <a:ext uri="{FF2B5EF4-FFF2-40B4-BE49-F238E27FC236}">
-                <a16:creationId xmlns:a16="http://schemas.microsoft.com/office/drawing/2014/main" id="{D354A627-0E9E-412A-BD39-C1DA8D67A614}"/>
-              </a:ext>
-            </a:extLst>
-          </p:cNvPr>
-          <p:cNvSpPr txBox="1"/>
-          <p:nvPr/>
-        </p:nvSpPr>
-        <p:spPr>
-          <a:xfrm>
-            <a:off x="5079145" y="3424658"/>
-            <a:ext cx="3569861" cy="215444"/>
-          </a:xfrm>
-          <a:prstGeom prst="rect">
-            <a:avLst/>
-          </a:prstGeom>
-          <a:noFill/>
         </p:spPr>
         <p:txBody>
           <a:bodyPr wrap="square" lIns="0" tIns="0" rIns="0" bIns="0" rtlCol="0">
@@ -5291,30 +4797,22 @@
           <a:p>
             <a:pPr algn="ctr"/>
             <a:r>
-              <a:rPr lang="en-US" dirty="0" err="1">
+              <a:rPr lang="en-US" dirty="0">
                 <a:solidFill>
-                  <a:srgbClr val="FF0000"/>
+                  <a:schemeClr val="accent6"/>
                 </a:solidFill>
               </a:rPr>
-              <a:t>writeToTextFile</a:t>
-            </a:r>
-            <a:r>
-              <a:rPr lang="en-US" dirty="0">
-                <a:solidFill>
-                  <a:srgbClr val="FF0000"/>
-                </a:solidFill>
-              </a:rPr>
-              <a:t>(file, getAddPersonsText)</a:t>
+              <a:t>scriptFolder</a:t>
             </a:r>
           </a:p>
         </p:txBody>
       </p:sp>
       <p:cxnSp>
         <p:nvCxnSpPr>
-          <p:cNvPr id="136" name="Straight Arrow Connector 135">
+          <p:cNvPr id="69" name="Straight Arrow Connector 68">
             <a:extLst>
               <a:ext uri="{FF2B5EF4-FFF2-40B4-BE49-F238E27FC236}">
-                <a16:creationId xmlns:a16="http://schemas.microsoft.com/office/drawing/2014/main" id="{FAB1D7A0-91F3-4F29-9BEC-40666E5FD32B}"/>
+                <a16:creationId xmlns:a16="http://schemas.microsoft.com/office/drawing/2014/main" id="{196D95A9-075F-42FD-AF50-4C4741968692}"/>
               </a:ext>
             </a:extLst>
           </p:cNvPr>
@@ -5325,17 +4823,19 @@
         </p:nvCxnSpPr>
         <p:spPr>
           <a:xfrm>
-            <a:off x="4766287" y="3407982"/>
-            <a:ext cx="4155544" cy="1"/>
+            <a:off x="-308720" y="1721686"/>
+            <a:ext cx="1702246" cy="0"/>
           </a:xfrm>
           <a:prstGeom prst="straightConnector1">
             <a:avLst/>
           </a:prstGeom>
           <a:ln w="19050">
             <a:solidFill>
-              <a:schemeClr val="accent2"/>
+              <a:schemeClr val="accent6"/>
             </a:solidFill>
-            <a:tailEnd type="arrow"/>
+            <a:prstDash val="sysDash"/>
+            <a:headEnd type="arrow" w="med" len="med"/>
+            <a:tailEnd type="none" w="med" len="med"/>
           </a:ln>
         </p:spPr>
         <p:style>
@@ -5355,10 +4855,10 @@
       </p:cxnSp>
       <p:cxnSp>
         <p:nvCxnSpPr>
-          <p:cNvPr id="138" name="Straight Arrow Connector 137">
+          <p:cNvPr id="72" name="Straight Arrow Connector 71">
             <a:extLst>
               <a:ext uri="{FF2B5EF4-FFF2-40B4-BE49-F238E27FC236}">
-                <a16:creationId xmlns:a16="http://schemas.microsoft.com/office/drawing/2014/main" id="{90D83663-C71E-4BE4-86FE-52C8F5C28054}"/>
+                <a16:creationId xmlns:a16="http://schemas.microsoft.com/office/drawing/2014/main" id="{F7696ACD-2076-4B0D-B78A-EC888F4B9E34}"/>
               </a:ext>
             </a:extLst>
           </p:cNvPr>
@@ -5369,19 +4869,17 @@
         </p:nvCxnSpPr>
         <p:spPr>
           <a:xfrm>
-            <a:off x="4766287" y="4495800"/>
-            <a:ext cx="4134760" cy="0"/>
+            <a:off x="-285156" y="1186152"/>
+            <a:ext cx="1678682" cy="0"/>
           </a:xfrm>
           <a:prstGeom prst="straightConnector1">
             <a:avLst/>
           </a:prstGeom>
           <a:ln w="19050">
             <a:solidFill>
-              <a:schemeClr val="accent2"/>
+              <a:schemeClr val="accent6"/>
             </a:solidFill>
-            <a:prstDash val="sysDash"/>
-            <a:headEnd type="arrow" w="med" len="med"/>
-            <a:tailEnd type="none" w="med" len="med"/>
+            <a:tailEnd type="arrow"/>
           </a:ln>
         </p:spPr>
         <p:style>
@@ -5399,148 +4897,12 @@
           </a:fontRef>
         </p:style>
       </p:cxnSp>
-      <p:cxnSp>
-        <p:nvCxnSpPr>
-          <p:cNvPr id="143" name="Straight Arrow Connector 142">
+      <p:sp>
+        <p:nvSpPr>
+          <p:cNvPr id="77" name="Rectangle 62">
             <a:extLst>
               <a:ext uri="{FF2B5EF4-FFF2-40B4-BE49-F238E27FC236}">
-                <a16:creationId xmlns:a16="http://schemas.microsoft.com/office/drawing/2014/main" id="{FD02B557-D67B-4C95-87AC-802BBBB8F7CB}"/>
-              </a:ext>
-            </a:extLst>
-          </p:cNvPr>
-          <p:cNvCxnSpPr>
-            <a:cxnSpLocks/>
-          </p:cNvCxnSpPr>
-          <p:nvPr/>
-        </p:nvCxnSpPr>
-        <p:spPr>
-          <a:xfrm>
-            <a:off x="3526502" y="4634881"/>
-            <a:ext cx="1084608" cy="0"/>
-          </a:xfrm>
-          <a:prstGeom prst="straightConnector1">
-            <a:avLst/>
-          </a:prstGeom>
-          <a:ln w="19050">
-            <a:solidFill>
-              <a:srgbClr val="0070C0"/>
-            </a:solidFill>
-            <a:prstDash val="sysDash"/>
-            <a:headEnd type="arrow" w="med" len="med"/>
-            <a:tailEnd type="none" w="med" len="med"/>
-          </a:ln>
-        </p:spPr>
-        <p:style>
-          <a:lnRef idx="1">
-            <a:schemeClr val="accent1"/>
-          </a:lnRef>
-          <a:fillRef idx="0">
-            <a:schemeClr val="accent1"/>
-          </a:fillRef>
-          <a:effectRef idx="0">
-            <a:schemeClr val="accent1"/>
-          </a:effectRef>
-          <a:fontRef idx="minor">
-            <a:schemeClr val="tx1"/>
-          </a:fontRef>
-        </p:style>
-      </p:cxnSp>
-      <p:cxnSp>
-        <p:nvCxnSpPr>
-          <p:cNvPr id="144" name="Straight Arrow Connector 143">
-            <a:extLst>
-              <a:ext uri="{FF2B5EF4-FFF2-40B4-BE49-F238E27FC236}">
-                <a16:creationId xmlns:a16="http://schemas.microsoft.com/office/drawing/2014/main" id="{8B3A6E57-3D02-489C-BFE3-A80642000FEC}"/>
-              </a:ext>
-            </a:extLst>
-          </p:cNvPr>
-          <p:cNvCxnSpPr>
-            <a:cxnSpLocks/>
-          </p:cNvCxnSpPr>
-          <p:nvPr/>
-        </p:nvCxnSpPr>
-        <p:spPr>
-          <a:xfrm>
-            <a:off x="4745503" y="3852042"/>
-            <a:ext cx="4155544" cy="0"/>
-          </a:xfrm>
-          <a:prstGeom prst="straightConnector1">
-            <a:avLst/>
-          </a:prstGeom>
-          <a:ln w="19050">
-            <a:solidFill>
-              <a:schemeClr val="accent2"/>
-            </a:solidFill>
-            <a:prstDash val="sysDash"/>
-            <a:headEnd type="arrow" w="med" len="med"/>
-            <a:tailEnd type="none" w="med" len="med"/>
-          </a:ln>
-        </p:spPr>
-        <p:style>
-          <a:lnRef idx="1">
-            <a:schemeClr val="accent1"/>
-          </a:lnRef>
-          <a:fillRef idx="0">
-            <a:schemeClr val="accent1"/>
-          </a:fillRef>
-          <a:effectRef idx="0">
-            <a:schemeClr val="accent1"/>
-          </a:effectRef>
-          <a:fontRef idx="minor">
-            <a:schemeClr val="tx1"/>
-          </a:fontRef>
-        </p:style>
-      </p:cxnSp>
-      <p:cxnSp>
-        <p:nvCxnSpPr>
-          <p:cNvPr id="147" name="Straight Arrow Connector 146">
-            <a:extLst>
-              <a:ext uri="{FF2B5EF4-FFF2-40B4-BE49-F238E27FC236}">
-                <a16:creationId xmlns:a16="http://schemas.microsoft.com/office/drawing/2014/main" id="{AB759440-0CE3-4F8C-9068-F1994D334A89}"/>
-              </a:ext>
-            </a:extLst>
-          </p:cNvPr>
-          <p:cNvCxnSpPr>
-            <a:cxnSpLocks/>
-          </p:cNvCxnSpPr>
-          <p:nvPr/>
-        </p:nvCxnSpPr>
-        <p:spPr>
-          <a:xfrm>
-            <a:off x="4784356" y="4072000"/>
-            <a:ext cx="4129391" cy="13476"/>
-          </a:xfrm>
-          <a:prstGeom prst="straightConnector1">
-            <a:avLst/>
-          </a:prstGeom>
-          <a:ln w="19050">
-            <a:solidFill>
-              <a:schemeClr val="accent2"/>
-            </a:solidFill>
-            <a:tailEnd type="arrow"/>
-          </a:ln>
-        </p:spPr>
-        <p:style>
-          <a:lnRef idx="1">
-            <a:schemeClr val="accent1"/>
-          </a:lnRef>
-          <a:fillRef idx="0">
-            <a:schemeClr val="accent1"/>
-          </a:fillRef>
-          <a:effectRef idx="0">
-            <a:schemeClr val="accent1"/>
-          </a:effectRef>
-          <a:fontRef idx="minor">
-            <a:schemeClr val="tx1"/>
-          </a:fontRef>
-        </p:style>
-      </p:cxnSp>
-      <p:sp>
-        <p:nvSpPr>
-          <p:cNvPr id="155" name="Rectangle 62">
-            <a:extLst>
-              <a:ext uri="{FF2B5EF4-FFF2-40B4-BE49-F238E27FC236}">
-                <a16:creationId xmlns:a16="http://schemas.microsoft.com/office/drawing/2014/main" id="{916D0A62-2961-438F-B916-3851993E02B9}"/>
+                <a16:creationId xmlns:a16="http://schemas.microsoft.com/office/drawing/2014/main" id="{FC38FC4B-4081-4AE8-B67C-C597574C9432}"/>
               </a:ext>
             </a:extLst>
           </p:cNvPr>
@@ -5549,18 +4911,18 @@
         </p:nvSpPr>
         <p:spPr>
           <a:xfrm>
-            <a:off x="6123753" y="838200"/>
-            <a:ext cx="1219200" cy="467684"/>
+            <a:off x="2567450" y="417249"/>
+            <a:ext cx="1158750" cy="344751"/>
           </a:xfrm>
           <a:prstGeom prst="rect">
             <a:avLst/>
           </a:prstGeom>
           <a:solidFill>
-            <a:srgbClr val="00B050"/>
+            <a:schemeClr val="accent6"/>
           </a:solidFill>
           <a:ln w="19050">
             <a:solidFill>
-              <a:srgbClr val="00B050"/>
+              <a:schemeClr val="accent6"/>
             </a:solidFill>
           </a:ln>
           <a:effectLst/>
@@ -5590,7 +4952,7 @@
                   <a:schemeClr val="bg1"/>
                 </a:solidFill>
               </a:rPr>
-              <a:t>:File</a:t>
+              <a:t>:PathName</a:t>
             </a:r>
             <a:endParaRPr lang="en-SG" sz="1600" dirty="0">
               <a:solidFill>
@@ -5602,30 +4964,73 @@
       </p:sp>
       <p:cxnSp>
         <p:nvCxnSpPr>
-          <p:cNvPr id="156" name="Straight Connector 155">
+          <p:cNvPr id="78" name="Straight Arrow Connector 77">
             <a:extLst>
               <a:ext uri="{FF2B5EF4-FFF2-40B4-BE49-F238E27FC236}">
-                <a16:creationId xmlns:a16="http://schemas.microsoft.com/office/drawing/2014/main" id="{0DD6A723-3B56-490F-BF5D-BE3494339E8A}"/>
+                <a16:creationId xmlns:a16="http://schemas.microsoft.com/office/drawing/2014/main" id="{EF25D537-33FB-4A98-AFFC-ACE5D4897A89}"/>
               </a:ext>
             </a:extLst>
           </p:cNvPr>
           <p:cNvCxnSpPr>
             <a:cxnSpLocks/>
-            <a:stCxn id="155" idx="2"/>
           </p:cNvCxnSpPr>
           <p:nvPr/>
         </p:nvCxnSpPr>
         <p:spPr>
           <a:xfrm>
-            <a:off x="6733353" y="1305884"/>
-            <a:ext cx="0" cy="1951828"/>
+            <a:off x="-317532" y="2129697"/>
+            <a:ext cx="3394253" cy="0"/>
+          </a:xfrm>
+          <a:prstGeom prst="straightConnector1">
+            <a:avLst/>
+          </a:prstGeom>
+          <a:ln w="19050">
+            <a:solidFill>
+              <a:schemeClr val="accent6"/>
+            </a:solidFill>
+            <a:tailEnd type="arrow"/>
+          </a:ln>
+        </p:spPr>
+        <p:style>
+          <a:lnRef idx="1">
+            <a:schemeClr val="accent1"/>
+          </a:lnRef>
+          <a:fillRef idx="0">
+            <a:schemeClr val="accent1"/>
+          </a:fillRef>
+          <a:effectRef idx="0">
+            <a:schemeClr val="accent1"/>
+          </a:effectRef>
+          <a:fontRef idx="minor">
+            <a:schemeClr val="tx1"/>
+          </a:fontRef>
+        </p:style>
+      </p:cxnSp>
+      <p:cxnSp>
+        <p:nvCxnSpPr>
+          <p:cNvPr id="79" name="Straight Connector 78">
+            <a:extLst>
+              <a:ext uri="{FF2B5EF4-FFF2-40B4-BE49-F238E27FC236}">
+                <a16:creationId xmlns:a16="http://schemas.microsoft.com/office/drawing/2014/main" id="{37CB952D-41FA-4AF0-89B9-1C557E22262B}"/>
+              </a:ext>
+            </a:extLst>
+          </p:cNvPr>
+          <p:cNvCxnSpPr>
+            <a:cxnSpLocks/>
+          </p:cNvCxnSpPr>
+          <p:nvPr/>
+        </p:nvCxnSpPr>
+        <p:spPr>
+          <a:xfrm>
+            <a:off x="1454243" y="872336"/>
+            <a:ext cx="0" cy="1111560"/>
           </a:xfrm>
           <a:prstGeom prst="line">
             <a:avLst/>
           </a:prstGeom>
           <a:ln w="19050">
             <a:solidFill>
-              <a:srgbClr val="00B050"/>
+              <a:schemeClr val="accent6"/>
             </a:solidFill>
             <a:prstDash val="sysDash"/>
           </a:ln>
@@ -5646,12 +5051,57 @@
           </a:fontRef>
         </p:style>
       </p:cxnSp>
-      <p:sp>
-        <p:nvSpPr>
-          <p:cNvPr id="157" name="Rectangle 156">
+      <p:cxnSp>
+        <p:nvCxnSpPr>
+          <p:cNvPr id="82" name="Straight Connector 81">
             <a:extLst>
               <a:ext uri="{FF2B5EF4-FFF2-40B4-BE49-F238E27FC236}">
-                <a16:creationId xmlns:a16="http://schemas.microsoft.com/office/drawing/2014/main" id="{5EB5D9B9-4E40-4748-8582-4345F969D46F}"/>
+                <a16:creationId xmlns:a16="http://schemas.microsoft.com/office/drawing/2014/main" id="{D45A571B-1F8D-4685-AFD5-097A98F5B4E8}"/>
+              </a:ext>
+            </a:extLst>
+          </p:cNvPr>
+          <p:cNvCxnSpPr>
+            <a:cxnSpLocks/>
+          </p:cNvCxnSpPr>
+          <p:nvPr/>
+        </p:nvCxnSpPr>
+        <p:spPr>
+          <a:xfrm flipH="1">
+            <a:off x="3143917" y="810870"/>
+            <a:ext cx="2908" cy="1919733"/>
+          </a:xfrm>
+          <a:prstGeom prst="line">
+            <a:avLst/>
+          </a:prstGeom>
+          <a:ln w="19050">
+            <a:solidFill>
+              <a:schemeClr val="accent6"/>
+            </a:solidFill>
+            <a:prstDash val="sysDash"/>
+          </a:ln>
+          <a:effectLst/>
+        </p:spPr>
+        <p:style>
+          <a:lnRef idx="1">
+            <a:schemeClr val="accent1"/>
+          </a:lnRef>
+          <a:fillRef idx="2">
+            <a:schemeClr val="accent1"/>
+          </a:fillRef>
+          <a:effectRef idx="1">
+            <a:schemeClr val="accent1"/>
+          </a:effectRef>
+          <a:fontRef idx="minor">
+            <a:schemeClr val="dk1"/>
+          </a:fontRef>
+        </p:style>
+      </p:cxnSp>
+      <p:sp>
+        <p:nvSpPr>
+          <p:cNvPr id="84" name="Rectangle 83">
+            <a:extLst>
+              <a:ext uri="{FF2B5EF4-FFF2-40B4-BE49-F238E27FC236}">
+                <a16:creationId xmlns:a16="http://schemas.microsoft.com/office/drawing/2014/main" id="{C9C51303-8321-4CEA-988B-356F2B694E67}"/>
               </a:ext>
             </a:extLst>
           </p:cNvPr>
@@ -5660,31 +5110,30 @@
         </p:nvSpPr>
         <p:spPr>
           <a:xfrm>
-            <a:off x="6669638" y="1594459"/>
-            <a:ext cx="120505" cy="1592622"/>
+            <a:off x="3076721" y="934087"/>
+            <a:ext cx="134393" cy="1694725"/>
           </a:xfrm>
           <a:prstGeom prst="rect">
             <a:avLst/>
           </a:prstGeom>
           <a:solidFill>
-            <a:srgbClr val="00B050"/>
+            <a:schemeClr val="accent6"/>
           </a:solidFill>
           <a:ln>
             <a:solidFill>
-              <a:srgbClr val="00B050"/>
+              <a:schemeClr val="accent6"/>
             </a:solidFill>
           </a:ln>
-          <a:effectLst/>
         </p:spPr>
         <p:style>
-          <a:lnRef idx="1">
-            <a:schemeClr val="accent3"/>
+          <a:lnRef idx="2">
+            <a:schemeClr val="accent6"/>
           </a:lnRef>
-          <a:fillRef idx="2">
-            <a:schemeClr val="accent3"/>
+          <a:fillRef idx="1">
+            <a:schemeClr val="lt1"/>
           </a:fillRef>
-          <a:effectRef idx="1">
-            <a:schemeClr val="accent3"/>
+          <a:effectRef idx="0">
+            <a:schemeClr val="accent6"/>
           </a:effectRef>
           <a:fontRef idx="minor">
             <a:schemeClr val="dk1"/>
@@ -5695,20 +5144,16 @@
           <a:lstStyle/>
           <a:p>
             <a:pPr algn="ctr"/>
-            <a:endParaRPr lang="en-SG" sz="1400">
-              <a:solidFill>
-                <a:schemeClr val="dk1"/>
-              </a:solidFill>
-            </a:endParaRPr>
-          </a:p>
-        </p:txBody>
-      </p:sp>
-      <p:sp>
-        <p:nvSpPr>
-          <p:cNvPr id="159" name="TextBox 158">
+            <a:endParaRPr lang="en-SG" sz="1400"/>
+          </a:p>
+        </p:txBody>
+      </p:sp>
+      <p:sp>
+        <p:nvSpPr>
+          <p:cNvPr id="85" name="TextBox 84">
             <a:extLst>
               <a:ext uri="{FF2B5EF4-FFF2-40B4-BE49-F238E27FC236}">
-                <a16:creationId xmlns:a16="http://schemas.microsoft.com/office/drawing/2014/main" id="{1DB939A8-A2C8-4B0E-AE53-47D86722E067}"/>
+                <a16:creationId xmlns:a16="http://schemas.microsoft.com/office/drawing/2014/main" id="{469ED317-57BC-412A-AAC8-FF892BC41439}"/>
               </a:ext>
             </a:extLst>
           </p:cNvPr>
@@ -5717,8 +5162,8 @@
         </p:nvSpPr>
         <p:spPr>
           <a:xfrm>
-            <a:off x="4909375" y="1674608"/>
-            <a:ext cx="1620823" cy="215444"/>
+            <a:off x="478701" y="2149498"/>
+            <a:ext cx="2006648" cy="215444"/>
           </a:xfrm>
           <a:prstGeom prst="rect">
             <a:avLst/>
@@ -5746,20 +5191,20 @@
             <a:r>
               <a:rPr lang="en-US" dirty="0">
                 <a:solidFill>
-                  <a:srgbClr val="00B050"/>
+                  <a:schemeClr val="accent6"/>
                 </a:solidFill>
               </a:rPr>
-              <a:t>File(“AddPersons.txt”)</a:t>
+              <a:t>isValidName(scriptFolder)</a:t>
             </a:r>
           </a:p>
         </p:txBody>
       </p:sp>
       <p:cxnSp>
         <p:nvCxnSpPr>
-          <p:cNvPr id="160" name="Straight Arrow Connector 159">
+          <p:cNvPr id="86" name="Straight Arrow Connector 85">
             <a:extLst>
               <a:ext uri="{FF2B5EF4-FFF2-40B4-BE49-F238E27FC236}">
-                <a16:creationId xmlns:a16="http://schemas.microsoft.com/office/drawing/2014/main" id="{012085A4-AC12-4925-BD19-3EC07F9AB395}"/>
+                <a16:creationId xmlns:a16="http://schemas.microsoft.com/office/drawing/2014/main" id="{65AEDB86-666C-40EF-85D1-3F2078159A88}"/>
               </a:ext>
             </a:extLst>
           </p:cNvPr>
@@ -5769,18 +5214,20 @@
           <p:nvPr/>
         </p:nvCxnSpPr>
         <p:spPr>
-          <a:xfrm>
-            <a:off x="4751205" y="1647239"/>
-            <a:ext cx="1939184" cy="2665"/>
+          <a:xfrm flipV="1">
+            <a:off x="-285156" y="2507133"/>
+            <a:ext cx="3337798" cy="13840"/>
           </a:xfrm>
           <a:prstGeom prst="straightConnector1">
             <a:avLst/>
           </a:prstGeom>
           <a:ln w="19050">
             <a:solidFill>
-              <a:srgbClr val="00B050"/>
+              <a:schemeClr val="accent6"/>
             </a:solidFill>
-            <a:tailEnd type="arrow"/>
+            <a:prstDash val="sysDash"/>
+            <a:headEnd type="arrow" w="med" len="med"/>
+            <a:tailEnd type="none" w="med" len="med"/>
           </a:ln>
         </p:spPr>
         <p:style>
@@ -5798,192 +5245,12 @@
           </a:fontRef>
         </p:style>
       </p:cxnSp>
-      <p:cxnSp>
-        <p:nvCxnSpPr>
-          <p:cNvPr id="163" name="Straight Arrow Connector 162">
+      <p:sp>
+        <p:nvSpPr>
+          <p:cNvPr id="88" name="TextBox 87">
             <a:extLst>
               <a:ext uri="{FF2B5EF4-FFF2-40B4-BE49-F238E27FC236}">
-                <a16:creationId xmlns:a16="http://schemas.microsoft.com/office/drawing/2014/main" id="{3B57569D-74BF-425A-9C63-375A1B124D35}"/>
-              </a:ext>
-            </a:extLst>
-          </p:cNvPr>
-          <p:cNvCxnSpPr>
-            <a:cxnSpLocks/>
-          </p:cNvCxnSpPr>
-          <p:nvPr/>
-        </p:nvCxnSpPr>
-        <p:spPr>
-          <a:xfrm>
-            <a:off x="4733126" y="2133600"/>
-            <a:ext cx="1930458" cy="0"/>
-          </a:xfrm>
-          <a:prstGeom prst="straightConnector1">
-            <a:avLst/>
-          </a:prstGeom>
-          <a:ln w="19050">
-            <a:solidFill>
-              <a:srgbClr val="00B050"/>
-            </a:solidFill>
-            <a:prstDash val="sysDash"/>
-            <a:headEnd type="arrow" w="med" len="med"/>
-            <a:tailEnd type="none" w="med" len="med"/>
-          </a:ln>
-        </p:spPr>
-        <p:style>
-          <a:lnRef idx="1">
-            <a:schemeClr val="accent1"/>
-          </a:lnRef>
-          <a:fillRef idx="0">
-            <a:schemeClr val="accent1"/>
-          </a:fillRef>
-          <a:effectRef idx="0">
-            <a:schemeClr val="accent1"/>
-          </a:effectRef>
-          <a:fontRef idx="minor">
-            <a:schemeClr val="tx1"/>
-          </a:fontRef>
-        </p:style>
-      </p:cxnSp>
-      <p:cxnSp>
-        <p:nvCxnSpPr>
-          <p:cNvPr id="172" name="Straight Arrow Connector 171">
-            <a:extLst>
-              <a:ext uri="{FF2B5EF4-FFF2-40B4-BE49-F238E27FC236}">
-                <a16:creationId xmlns:a16="http://schemas.microsoft.com/office/drawing/2014/main" id="{1888E89D-9E1B-47D7-BEB5-11E5EEFDD002}"/>
-              </a:ext>
-            </a:extLst>
-          </p:cNvPr>
-          <p:cNvCxnSpPr>
-            <a:cxnSpLocks/>
-          </p:cNvCxnSpPr>
-          <p:nvPr/>
-        </p:nvCxnSpPr>
-        <p:spPr>
-          <a:xfrm>
-            <a:off x="4751205" y="2243947"/>
-            <a:ext cx="1939184" cy="2665"/>
-          </a:xfrm>
-          <a:prstGeom prst="straightConnector1">
-            <a:avLst/>
-          </a:prstGeom>
-          <a:ln w="19050">
-            <a:solidFill>
-              <a:srgbClr val="00B050"/>
-            </a:solidFill>
-            <a:tailEnd type="arrow"/>
-          </a:ln>
-        </p:spPr>
-        <p:style>
-          <a:lnRef idx="1">
-            <a:schemeClr val="accent1"/>
-          </a:lnRef>
-          <a:fillRef idx="0">
-            <a:schemeClr val="accent1"/>
-          </a:fillRef>
-          <a:effectRef idx="0">
-            <a:schemeClr val="accent1"/>
-          </a:effectRef>
-          <a:fontRef idx="minor">
-            <a:schemeClr val="tx1"/>
-          </a:fontRef>
-        </p:style>
-      </p:cxnSp>
-      <p:cxnSp>
-        <p:nvCxnSpPr>
-          <p:cNvPr id="173" name="Straight Arrow Connector 172">
-            <a:extLst>
-              <a:ext uri="{FF2B5EF4-FFF2-40B4-BE49-F238E27FC236}">
-                <a16:creationId xmlns:a16="http://schemas.microsoft.com/office/drawing/2014/main" id="{70429110-A704-4305-BFC5-F558C9125DC3}"/>
-              </a:ext>
-            </a:extLst>
-          </p:cNvPr>
-          <p:cNvCxnSpPr>
-            <a:cxnSpLocks/>
-          </p:cNvCxnSpPr>
-          <p:nvPr/>
-        </p:nvCxnSpPr>
-        <p:spPr>
-          <a:xfrm>
-            <a:off x="4733126" y="2986177"/>
-            <a:ext cx="1930458" cy="0"/>
-          </a:xfrm>
-          <a:prstGeom prst="straightConnector1">
-            <a:avLst/>
-          </a:prstGeom>
-          <a:ln w="19050">
-            <a:solidFill>
-              <a:srgbClr val="00B050"/>
-            </a:solidFill>
-            <a:prstDash val="sysDash"/>
-            <a:headEnd type="arrow" w="med" len="med"/>
-            <a:tailEnd type="none" w="med" len="med"/>
-          </a:ln>
-        </p:spPr>
-        <p:style>
-          <a:lnRef idx="1">
-            <a:schemeClr val="accent1"/>
-          </a:lnRef>
-          <a:fillRef idx="0">
-            <a:schemeClr val="accent1"/>
-          </a:fillRef>
-          <a:effectRef idx="0">
-            <a:schemeClr val="accent1"/>
-          </a:effectRef>
-          <a:fontRef idx="minor">
-            <a:schemeClr val="tx1"/>
-          </a:fontRef>
-        </p:style>
-      </p:cxnSp>
-      <p:cxnSp>
-        <p:nvCxnSpPr>
-          <p:cNvPr id="175" name="Straight Arrow Connector 174">
-            <a:extLst>
-              <a:ext uri="{FF2B5EF4-FFF2-40B4-BE49-F238E27FC236}">
-                <a16:creationId xmlns:a16="http://schemas.microsoft.com/office/drawing/2014/main" id="{E0F81A24-B91E-442C-8F56-6E3FB6E38551}"/>
-              </a:ext>
-            </a:extLst>
-          </p:cNvPr>
-          <p:cNvCxnSpPr>
-            <a:cxnSpLocks/>
-          </p:cNvCxnSpPr>
-          <p:nvPr/>
-        </p:nvCxnSpPr>
-        <p:spPr>
-          <a:xfrm>
-            <a:off x="4758541" y="2743200"/>
-            <a:ext cx="1939184" cy="2665"/>
-          </a:xfrm>
-          <a:prstGeom prst="straightConnector1">
-            <a:avLst/>
-          </a:prstGeom>
-          <a:ln w="19050">
-            <a:solidFill>
-              <a:srgbClr val="00B050"/>
-            </a:solidFill>
-            <a:tailEnd type="arrow"/>
-          </a:ln>
-        </p:spPr>
-        <p:style>
-          <a:lnRef idx="1">
-            <a:schemeClr val="accent1"/>
-          </a:lnRef>
-          <a:fillRef idx="0">
-            <a:schemeClr val="accent1"/>
-          </a:fillRef>
-          <a:effectRef idx="0">
-            <a:schemeClr val="accent1"/>
-          </a:effectRef>
-          <a:fontRef idx="minor">
-            <a:schemeClr val="tx1"/>
-          </a:fontRef>
-        </p:style>
-      </p:cxnSp>
-      <p:sp>
-        <p:nvSpPr>
-          <p:cNvPr id="176" name="TextBox 175">
-            <a:extLst>
-              <a:ext uri="{FF2B5EF4-FFF2-40B4-BE49-F238E27FC236}">
-                <a16:creationId xmlns:a16="http://schemas.microsoft.com/office/drawing/2014/main" id="{ED20CB60-2C5B-4037-A74D-27701A6E8B9F}"/>
+                <a16:creationId xmlns:a16="http://schemas.microsoft.com/office/drawing/2014/main" id="{BE019AF5-E7F8-4065-8445-838611D6FD82}"/>
               </a:ext>
             </a:extLst>
           </p:cNvPr>
@@ -5992,13 +5259,16 @@
         </p:nvSpPr>
         <p:spPr>
           <a:xfrm>
-            <a:off x="4892918" y="2438400"/>
-            <a:ext cx="1620823" cy="215444"/>
+            <a:off x="666333" y="2514505"/>
+            <a:ext cx="1635552" cy="215444"/>
           </a:xfrm>
           <a:prstGeom prst="rect">
             <a:avLst/>
           </a:prstGeom>
           <a:noFill/>
+          <a:ln>
+            <a:noFill/>
+          </a:ln>
         </p:spPr>
         <p:txBody>
           <a:bodyPr wrap="square" lIns="0" tIns="0" rIns="0" bIns="0" rtlCol="0">
@@ -6021,20 +5291,118 @@
             <a:r>
               <a:rPr lang="en-US" dirty="0">
                 <a:solidFill>
-                  <a:srgbClr val="00B050"/>
+                  <a:schemeClr val="accent6"/>
                 </a:solidFill>
               </a:rPr>
-              <a:t>File(“AddGroups.txt”)</a:t>
-            </a:r>
-          </a:p>
-        </p:txBody>
-      </p:sp>
-      <p:sp>
-        <p:nvSpPr>
-          <p:cNvPr id="177" name="TextBox 176">
+              <a:t>isPathValid</a:t>
+            </a:r>
+          </a:p>
+        </p:txBody>
+      </p:sp>
+      <p:sp>
+        <p:nvSpPr>
+          <p:cNvPr id="89" name="Rectangle 88">
             <a:extLst>
               <a:ext uri="{FF2B5EF4-FFF2-40B4-BE49-F238E27FC236}">
-                <a16:creationId xmlns:a16="http://schemas.microsoft.com/office/drawing/2014/main" id="{7BA7BC21-2054-4018-955B-097BF5504353}"/>
+                <a16:creationId xmlns:a16="http://schemas.microsoft.com/office/drawing/2014/main" id="{D24F0D9A-ECB2-4829-B4D2-B0CA9A36CA61}"/>
+              </a:ext>
+            </a:extLst>
+          </p:cNvPr>
+          <p:cNvSpPr/>
+          <p:nvPr/>
+        </p:nvSpPr>
+        <p:spPr>
+          <a:xfrm>
+            <a:off x="-1766300" y="4122798"/>
+            <a:ext cx="4654856" cy="1490809"/>
+          </a:xfrm>
+          <a:prstGeom prst="rect">
+            <a:avLst/>
+          </a:prstGeom>
+          <a:noFill/>
+          <a:ln w="12700">
+            <a:solidFill>
+              <a:schemeClr val="accent6"/>
+            </a:solidFill>
+          </a:ln>
+        </p:spPr>
+        <p:style>
+          <a:lnRef idx="2">
+            <a:schemeClr val="accent1">
+              <a:shade val="50000"/>
+            </a:schemeClr>
+          </a:lnRef>
+          <a:fillRef idx="1">
+            <a:schemeClr val="accent1"/>
+          </a:fillRef>
+          <a:effectRef idx="0">
+            <a:schemeClr val="accent1"/>
+          </a:effectRef>
+          <a:fontRef idx="minor">
+            <a:schemeClr val="lt1"/>
+          </a:fontRef>
+        </p:style>
+        <p:txBody>
+          <a:bodyPr rtlCol="0" anchor="ctr"/>
+          <a:lstStyle/>
+          <a:p>
+            <a:pPr algn="ctr"/>
+            <a:endParaRPr lang="en-SG"/>
+          </a:p>
+        </p:txBody>
+      </p:sp>
+      <p:cxnSp>
+        <p:nvCxnSpPr>
+          <p:cNvPr id="104" name="Straight Arrow Connector 103">
+            <a:extLst>
+              <a:ext uri="{FF2B5EF4-FFF2-40B4-BE49-F238E27FC236}">
+                <a16:creationId xmlns:a16="http://schemas.microsoft.com/office/drawing/2014/main" id="{8C28C5B4-AE27-4792-82FA-E9430A9931B4}"/>
+              </a:ext>
+            </a:extLst>
+          </p:cNvPr>
+          <p:cNvCxnSpPr>
+            <a:cxnSpLocks/>
+          </p:cNvCxnSpPr>
+          <p:nvPr/>
+        </p:nvCxnSpPr>
+        <p:spPr>
+          <a:xfrm>
+            <a:off x="-291953" y="3235176"/>
+            <a:ext cx="7490278" cy="0"/>
+          </a:xfrm>
+          <a:prstGeom prst="straightConnector1">
+            <a:avLst/>
+          </a:prstGeom>
+          <a:ln w="19050">
+            <a:solidFill>
+              <a:srgbClr val="31859C"/>
+            </a:solidFill>
+            <a:prstDash val="sysDash"/>
+            <a:headEnd type="arrow" w="med" len="med"/>
+            <a:tailEnd type="none" w="med" len="med"/>
+          </a:ln>
+        </p:spPr>
+        <p:style>
+          <a:lnRef idx="1">
+            <a:schemeClr val="accent1"/>
+          </a:lnRef>
+          <a:fillRef idx="0">
+            <a:schemeClr val="accent1"/>
+          </a:fillRef>
+          <a:effectRef idx="0">
+            <a:schemeClr val="accent1"/>
+          </a:effectRef>
+          <a:fontRef idx="minor">
+            <a:schemeClr val="tx1"/>
+          </a:fontRef>
+        </p:style>
+      </p:cxnSp>
+      <p:sp>
+        <p:nvSpPr>
+          <p:cNvPr id="107" name="TextBox 106">
+            <a:extLst>
+              <a:ext uri="{FF2B5EF4-FFF2-40B4-BE49-F238E27FC236}">
+                <a16:creationId xmlns:a16="http://schemas.microsoft.com/office/drawing/2014/main" id="{3CAD1BF2-01D7-4DE5-9338-DF792B62273F}"/>
               </a:ext>
             </a:extLst>
           </p:cNvPr>
@@ -6043,8 +5411,93 @@
         </p:nvSpPr>
         <p:spPr>
           <a:xfrm>
-            <a:off x="4876800" y="1905000"/>
-            <a:ext cx="1620823" cy="215444"/>
+            <a:off x="-1830728" y="4086054"/>
+            <a:ext cx="1624103" cy="276999"/>
+          </a:xfrm>
+          <a:prstGeom prst="rect">
+            <a:avLst/>
+          </a:prstGeom>
+          <a:noFill/>
+        </p:spPr>
+        <p:txBody>
+          <a:bodyPr wrap="square" rtlCol="0">
+            <a:spAutoFit/>
+          </a:bodyPr>
+          <a:lstStyle/>
+          <a:p>
+            <a:r>
+              <a:rPr lang="en-SG" sz="1200" dirty="0">
+                <a:solidFill>
+                  <a:schemeClr val="accent6"/>
+                </a:solidFill>
+              </a:rPr>
+              <a:t>[isPathValid == false]</a:t>
+            </a:r>
+          </a:p>
+        </p:txBody>
+      </p:sp>
+      <p:cxnSp>
+        <p:nvCxnSpPr>
+          <p:cNvPr id="111" name="Straight Arrow Connector 110">
+            <a:extLst>
+              <a:ext uri="{FF2B5EF4-FFF2-40B4-BE49-F238E27FC236}">
+                <a16:creationId xmlns:a16="http://schemas.microsoft.com/office/drawing/2014/main" id="{64A2D263-C89E-4E04-B3BD-44F60CB7612E}"/>
+              </a:ext>
+            </a:extLst>
+          </p:cNvPr>
+          <p:cNvCxnSpPr>
+            <a:cxnSpLocks/>
+          </p:cNvCxnSpPr>
+          <p:nvPr/>
+        </p:nvCxnSpPr>
+        <p:spPr>
+          <a:xfrm flipV="1">
+            <a:off x="-326526" y="4764753"/>
+            <a:ext cx="7515857" cy="8480"/>
+          </a:xfrm>
+          <a:prstGeom prst="straightConnector1">
+            <a:avLst/>
+          </a:prstGeom>
+          <a:ln w="19050">
+            <a:solidFill>
+              <a:srgbClr val="31859C"/>
+            </a:solidFill>
+            <a:prstDash val="sysDash"/>
+            <a:headEnd type="arrow" w="med" len="med"/>
+            <a:tailEnd type="none" w="med" len="med"/>
+          </a:ln>
+        </p:spPr>
+        <p:style>
+          <a:lnRef idx="1">
+            <a:schemeClr val="accent1"/>
+          </a:lnRef>
+          <a:fillRef idx="0">
+            <a:schemeClr val="accent1"/>
+          </a:fillRef>
+          <a:effectRef idx="0">
+            <a:schemeClr val="accent1"/>
+          </a:effectRef>
+          <a:fontRef idx="minor">
+            <a:schemeClr val="tx1"/>
+          </a:fontRef>
+        </p:style>
+      </p:cxnSp>
+      <p:sp>
+        <p:nvSpPr>
+          <p:cNvPr id="113" name="TextBox 112">
+            <a:extLst>
+              <a:ext uri="{FF2B5EF4-FFF2-40B4-BE49-F238E27FC236}">
+                <a16:creationId xmlns:a16="http://schemas.microsoft.com/office/drawing/2014/main" id="{D36DCACF-74ED-4507-A4C0-208967533D44}"/>
+              </a:ext>
+            </a:extLst>
+          </p:cNvPr>
+          <p:cNvSpPr txBox="1"/>
+          <p:nvPr/>
+        </p:nvSpPr>
+        <p:spPr>
+          <a:xfrm>
+            <a:off x="3156392" y="4530052"/>
+            <a:ext cx="881039" cy="215444"/>
           </a:xfrm>
           <a:prstGeom prst="rect">
             <a:avLst/>
@@ -6068,24 +5521,67 @@
             </a:lvl1pPr>
           </a:lstStyle>
           <a:p>
-            <a:pPr algn="ctr"/>
             <a:r>
               <a:rPr lang="en-US" dirty="0">
                 <a:solidFill>
-                  <a:srgbClr val="00B050"/>
+                  <a:srgbClr val="31859C"/>
                 </a:solidFill>
               </a:rPr>
-              <a:t>file1</a:t>
-            </a:r>
-          </a:p>
-        </p:txBody>
-      </p:sp>
-      <p:sp>
-        <p:nvSpPr>
-          <p:cNvPr id="178" name="TextBox 177">
+              <a:t>scriptPath</a:t>
+            </a:r>
+          </a:p>
+        </p:txBody>
+      </p:sp>
+      <p:cxnSp>
+        <p:nvCxnSpPr>
+          <p:cNvPr id="114" name="Straight Arrow Connector 113">
             <a:extLst>
               <a:ext uri="{FF2B5EF4-FFF2-40B4-BE49-F238E27FC236}">
-                <a16:creationId xmlns:a16="http://schemas.microsoft.com/office/drawing/2014/main" id="{A0EA7E61-5C2A-4123-9854-0E5A85033E9B}"/>
+                <a16:creationId xmlns:a16="http://schemas.microsoft.com/office/drawing/2014/main" id="{5B49A429-9365-4EC3-814E-EAFB0668DB8F}"/>
+              </a:ext>
+            </a:extLst>
+          </p:cNvPr>
+          <p:cNvCxnSpPr>
+            <a:cxnSpLocks/>
+          </p:cNvCxnSpPr>
+          <p:nvPr/>
+        </p:nvCxnSpPr>
+        <p:spPr>
+          <a:xfrm>
+            <a:off x="-275445" y="3687708"/>
+            <a:ext cx="7473770" cy="13343"/>
+          </a:xfrm>
+          <a:prstGeom prst="straightConnector1">
+            <a:avLst/>
+          </a:prstGeom>
+          <a:ln w="19050">
+            <a:solidFill>
+              <a:schemeClr val="accent6"/>
+            </a:solidFill>
+            <a:tailEnd type="arrow"/>
+          </a:ln>
+        </p:spPr>
+        <p:style>
+          <a:lnRef idx="1">
+            <a:schemeClr val="accent1"/>
+          </a:lnRef>
+          <a:fillRef idx="0">
+            <a:schemeClr val="accent1"/>
+          </a:fillRef>
+          <a:effectRef idx="0">
+            <a:schemeClr val="accent1"/>
+          </a:effectRef>
+          <a:fontRef idx="minor">
+            <a:schemeClr val="tx1"/>
+          </a:fontRef>
+        </p:style>
+      </p:cxnSp>
+      <p:sp>
+        <p:nvSpPr>
+          <p:cNvPr id="115" name="TextBox 114">
+            <a:extLst>
+              <a:ext uri="{FF2B5EF4-FFF2-40B4-BE49-F238E27FC236}">
+                <a16:creationId xmlns:a16="http://schemas.microsoft.com/office/drawing/2014/main" id="{63A445BF-F65C-432C-8CB1-44FA46A7CAD5}"/>
               </a:ext>
             </a:extLst>
           </p:cNvPr>
@@ -6094,8 +5590,8 @@
         </p:nvSpPr>
         <p:spPr>
           <a:xfrm>
-            <a:off x="4884943" y="2758207"/>
-            <a:ext cx="1620823" cy="215444"/>
+            <a:off x="4363275" y="3243583"/>
+            <a:ext cx="2627449" cy="430887"/>
           </a:xfrm>
           <a:prstGeom prst="rect">
             <a:avLst/>
@@ -6123,20 +5619,66 @@
             <a:r>
               <a:rPr lang="en-US" dirty="0">
                 <a:solidFill>
-                  <a:srgbClr val="00B050"/>
+                  <a:srgbClr val="31859C"/>
                 </a:solidFill>
               </a:rPr>
-              <a:t>file2</a:t>
-            </a:r>
-          </a:p>
-        </p:txBody>
-      </p:sp>
-      <p:sp>
-        <p:nvSpPr>
-          <p:cNvPr id="179" name="TextBox 178">
+              <a:t>getPath(ProjectLocation + scriptFolder + defaultLogFolder)</a:t>
+            </a:r>
+          </a:p>
+        </p:txBody>
+      </p:sp>
+      <p:cxnSp>
+        <p:nvCxnSpPr>
+          <p:cNvPr id="116" name="Straight Arrow Connector 115">
             <a:extLst>
               <a:ext uri="{FF2B5EF4-FFF2-40B4-BE49-F238E27FC236}">
-                <a16:creationId xmlns:a16="http://schemas.microsoft.com/office/drawing/2014/main" id="{CBAB6A02-E9CA-4869-B094-BD0D597EF584}"/>
+                <a16:creationId xmlns:a16="http://schemas.microsoft.com/office/drawing/2014/main" id="{80FFA125-B23A-4DA5-878F-38EBCE6A0B21}"/>
+              </a:ext>
+            </a:extLst>
+          </p:cNvPr>
+          <p:cNvCxnSpPr>
+            <a:cxnSpLocks/>
+          </p:cNvCxnSpPr>
+          <p:nvPr/>
+        </p:nvCxnSpPr>
+        <p:spPr>
+          <a:xfrm>
+            <a:off x="-308720" y="3962400"/>
+            <a:ext cx="7507045" cy="0"/>
+          </a:xfrm>
+          <a:prstGeom prst="straightConnector1">
+            <a:avLst/>
+          </a:prstGeom>
+          <a:ln w="19050">
+            <a:solidFill>
+              <a:srgbClr val="31859C"/>
+            </a:solidFill>
+            <a:prstDash val="sysDash"/>
+            <a:headEnd type="arrow" w="med" len="med"/>
+            <a:tailEnd type="none" w="med" len="med"/>
+          </a:ln>
+        </p:spPr>
+        <p:style>
+          <a:lnRef idx="1">
+            <a:schemeClr val="accent1"/>
+          </a:lnRef>
+          <a:fillRef idx="0">
+            <a:schemeClr val="accent1"/>
+          </a:fillRef>
+          <a:effectRef idx="0">
+            <a:schemeClr val="accent1"/>
+          </a:effectRef>
+          <a:fontRef idx="minor">
+            <a:schemeClr val="tx1"/>
+          </a:fontRef>
+        </p:style>
+      </p:cxnSp>
+      <p:sp>
+        <p:nvSpPr>
+          <p:cNvPr id="120" name="TextBox 119">
+            <a:extLst>
+              <a:ext uri="{FF2B5EF4-FFF2-40B4-BE49-F238E27FC236}">
+                <a16:creationId xmlns:a16="http://schemas.microsoft.com/office/drawing/2014/main" id="{702EABE9-CA84-46B5-BDF9-F5FDB293F9FC}"/>
               </a:ext>
             </a:extLst>
           </p:cNvPr>
@@ -6145,8 +5687,8 @@
         </p:nvSpPr>
         <p:spPr>
           <a:xfrm>
-            <a:off x="5064120" y="4130947"/>
-            <a:ext cx="3569861" cy="215444"/>
+            <a:off x="3100786" y="3721969"/>
+            <a:ext cx="842906" cy="215444"/>
           </a:xfrm>
           <a:prstGeom prst="rect">
             <a:avLst/>
@@ -6170,42 +5712,740 @@
             </a:lvl1pPr>
           </a:lstStyle>
           <a:p>
-            <a:pPr algn="ctr"/>
-            <a:r>
-              <a:rPr lang="en-US" dirty="0" err="1">
+            <a:r>
+              <a:rPr lang="en-US" dirty="0">
                 <a:solidFill>
-                  <a:srgbClr val="FF0000"/>
+                  <a:srgbClr val="31859C"/>
                 </a:solidFill>
               </a:rPr>
-              <a:t>writeToTextFile</a:t>
-            </a:r>
+              <a:t>logsPath</a:t>
+            </a:r>
+          </a:p>
+        </p:txBody>
+      </p:sp>
+      <p:sp>
+        <p:nvSpPr>
+          <p:cNvPr id="123" name="TextBox 122">
+            <a:extLst>
+              <a:ext uri="{FF2B5EF4-FFF2-40B4-BE49-F238E27FC236}">
+                <a16:creationId xmlns:a16="http://schemas.microsoft.com/office/drawing/2014/main" id="{B1C7D1CE-FB7B-447F-BD45-312B116973BC}"/>
+              </a:ext>
+            </a:extLst>
+          </p:cNvPr>
+          <p:cNvSpPr txBox="1"/>
+          <p:nvPr/>
+        </p:nvSpPr>
+        <p:spPr>
+          <a:xfrm>
+            <a:off x="4243952" y="3988908"/>
+            <a:ext cx="2929455" cy="430887"/>
+          </a:xfrm>
+          <a:prstGeom prst="rect">
+            <a:avLst/>
+          </a:prstGeom>
+          <a:noFill/>
+        </p:spPr>
+        <p:txBody>
+          <a:bodyPr wrap="square" lIns="0" tIns="0" rIns="0" bIns="0" rtlCol="0">
+            <a:spAutoFit/>
+          </a:bodyPr>
+          <a:lstStyle>
+            <a:defPPr>
+              <a:defRPr lang="en-US"/>
+            </a:defPPr>
+            <a:lvl1pPr algn="r">
+              <a:defRPr sz="1400">
+                <a:solidFill>
+                  <a:srgbClr val="0070C0"/>
+                </a:solidFill>
+              </a:defRPr>
+            </a:lvl1pPr>
+          </a:lstStyle>
+          <a:p>
+            <a:pPr algn="ctr"/>
             <a:r>
               <a:rPr lang="en-US" dirty="0">
                 <a:solidFill>
-                  <a:srgbClr val="FF0000"/>
+                  <a:srgbClr val="31859C"/>
                 </a:solidFill>
               </a:rPr>
-              <a:t>(file2, </a:t>
-            </a:r>
-            <a:r>
-              <a:rPr lang="en-US" dirty="0" err="1">
+              <a:t>getPath(ProjectLocation + defaultScriptFolder)</a:t>
+            </a:r>
+          </a:p>
+        </p:txBody>
+      </p:sp>
+      <p:cxnSp>
+        <p:nvCxnSpPr>
+          <p:cNvPr id="128" name="Straight Arrow Connector 127">
+            <a:extLst>
+              <a:ext uri="{FF2B5EF4-FFF2-40B4-BE49-F238E27FC236}">
+                <a16:creationId xmlns:a16="http://schemas.microsoft.com/office/drawing/2014/main" id="{F3C265DD-A3B0-4C11-9DFF-54C21600D67A}"/>
+              </a:ext>
+            </a:extLst>
+          </p:cNvPr>
+          <p:cNvCxnSpPr>
+            <a:cxnSpLocks/>
+          </p:cNvCxnSpPr>
+          <p:nvPr/>
+        </p:nvCxnSpPr>
+        <p:spPr>
+          <a:xfrm>
+            <a:off x="-292083" y="4469770"/>
+            <a:ext cx="7473770" cy="13343"/>
+          </a:xfrm>
+          <a:prstGeom prst="straightConnector1">
+            <a:avLst/>
+          </a:prstGeom>
+          <a:ln w="19050">
+            <a:solidFill>
+              <a:schemeClr val="accent6"/>
+            </a:solidFill>
+            <a:tailEnd type="arrow"/>
+          </a:ln>
+        </p:spPr>
+        <p:style>
+          <a:lnRef idx="1">
+            <a:schemeClr val="accent1"/>
+          </a:lnRef>
+          <a:fillRef idx="0">
+            <a:schemeClr val="accent1"/>
+          </a:fillRef>
+          <a:effectRef idx="0">
+            <a:schemeClr val="accent1"/>
+          </a:effectRef>
+          <a:fontRef idx="minor">
+            <a:schemeClr val="tx1"/>
+          </a:fontRef>
+        </p:style>
+      </p:cxnSp>
+      <p:cxnSp>
+        <p:nvCxnSpPr>
+          <p:cNvPr id="139" name="Straight Arrow Connector 138">
+            <a:extLst>
+              <a:ext uri="{FF2B5EF4-FFF2-40B4-BE49-F238E27FC236}">
+                <a16:creationId xmlns:a16="http://schemas.microsoft.com/office/drawing/2014/main" id="{43F9F784-54E4-49B1-A0F0-3BBDCE55CAFA}"/>
+              </a:ext>
+            </a:extLst>
+          </p:cNvPr>
+          <p:cNvCxnSpPr>
+            <a:cxnSpLocks/>
+          </p:cNvCxnSpPr>
+          <p:nvPr/>
+        </p:nvCxnSpPr>
+        <p:spPr>
+          <a:xfrm>
+            <a:off x="-257677" y="5170934"/>
+            <a:ext cx="7473770" cy="13343"/>
+          </a:xfrm>
+          <a:prstGeom prst="straightConnector1">
+            <a:avLst/>
+          </a:prstGeom>
+          <a:ln w="19050">
+            <a:solidFill>
+              <a:schemeClr val="accent6"/>
+            </a:solidFill>
+            <a:tailEnd type="arrow"/>
+          </a:ln>
+        </p:spPr>
+        <p:style>
+          <a:lnRef idx="1">
+            <a:schemeClr val="accent1"/>
+          </a:lnRef>
+          <a:fillRef idx="0">
+            <a:schemeClr val="accent1"/>
+          </a:fillRef>
+          <a:effectRef idx="0">
+            <a:schemeClr val="accent1"/>
+          </a:effectRef>
+          <a:fontRef idx="minor">
+            <a:schemeClr val="tx1"/>
+          </a:fontRef>
+        </p:style>
+      </p:cxnSp>
+      <p:sp>
+        <p:nvSpPr>
+          <p:cNvPr id="141" name="TextBox 140">
+            <a:extLst>
+              <a:ext uri="{FF2B5EF4-FFF2-40B4-BE49-F238E27FC236}">
+                <a16:creationId xmlns:a16="http://schemas.microsoft.com/office/drawing/2014/main" id="{CEAE6000-098D-4CE6-939A-5DE33D235E33}"/>
+              </a:ext>
+            </a:extLst>
+          </p:cNvPr>
+          <p:cNvSpPr txBox="1"/>
+          <p:nvPr/>
+        </p:nvSpPr>
+        <p:spPr>
+          <a:xfrm>
+            <a:off x="4335251" y="4750062"/>
+            <a:ext cx="2929455" cy="430887"/>
+          </a:xfrm>
+          <a:prstGeom prst="rect">
+            <a:avLst/>
+          </a:prstGeom>
+          <a:noFill/>
+        </p:spPr>
+        <p:txBody>
+          <a:bodyPr wrap="square" lIns="0" tIns="0" rIns="0" bIns="0" rtlCol="0">
+            <a:spAutoFit/>
+          </a:bodyPr>
+          <a:lstStyle>
+            <a:defPPr>
+              <a:defRPr lang="en-US"/>
+            </a:defPPr>
+            <a:lvl1pPr algn="r">
+              <a:defRPr sz="1400">
                 <a:solidFill>
-                  <a:srgbClr val="FF0000"/>
+                  <a:srgbClr val="0070C0"/>
+                </a:solidFill>
+              </a:defRPr>
+            </a:lvl1pPr>
+          </a:lstStyle>
+          <a:p>
+            <a:pPr algn="ctr"/>
+            <a:r>
+              <a:rPr lang="en-US" dirty="0">
+                <a:solidFill>
+                  <a:srgbClr val="31859C"/>
                 </a:solidFill>
               </a:rPr>
-              <a:t>getAddGroupsText</a:t>
-            </a:r>
+              <a:t>getPath(ProjectLocation + defaultScriptFolder +defaultLogFolder)</a:t>
+            </a:r>
+          </a:p>
+        </p:txBody>
+      </p:sp>
+      <p:sp>
+        <p:nvSpPr>
+          <p:cNvPr id="142" name="TextBox 141">
+            <a:extLst>
+              <a:ext uri="{FF2B5EF4-FFF2-40B4-BE49-F238E27FC236}">
+                <a16:creationId xmlns:a16="http://schemas.microsoft.com/office/drawing/2014/main" id="{854748FD-5571-4E02-9741-02F8A2EECBE5}"/>
+              </a:ext>
+            </a:extLst>
+          </p:cNvPr>
+          <p:cNvSpPr txBox="1"/>
+          <p:nvPr/>
+        </p:nvSpPr>
+        <p:spPr>
+          <a:xfrm>
+            <a:off x="3156392" y="5219412"/>
+            <a:ext cx="810878" cy="215444"/>
+          </a:xfrm>
+          <a:prstGeom prst="rect">
+            <a:avLst/>
+          </a:prstGeom>
+          <a:noFill/>
+        </p:spPr>
+        <p:txBody>
+          <a:bodyPr wrap="square" lIns="0" tIns="0" rIns="0" bIns="0" rtlCol="0">
+            <a:spAutoFit/>
+          </a:bodyPr>
+          <a:lstStyle>
+            <a:defPPr>
+              <a:defRPr lang="en-US"/>
+            </a:defPPr>
+            <a:lvl1pPr algn="r">
+              <a:defRPr sz="1400">
+                <a:solidFill>
+                  <a:srgbClr val="0070C0"/>
+                </a:solidFill>
+              </a:defRPr>
+            </a:lvl1pPr>
+          </a:lstStyle>
+          <a:p>
             <a:r>
               <a:rPr lang="en-US" dirty="0">
                 <a:solidFill>
-                  <a:srgbClr val="FF0000"/>
+                  <a:srgbClr val="31859C"/>
                 </a:solidFill>
               </a:rPr>
-              <a:t>)</a:t>
-            </a:r>
-          </a:p>
-        </p:txBody>
-      </p:sp>
+              <a:t>logsPath</a:t>
+            </a:r>
+          </a:p>
+        </p:txBody>
+      </p:sp>
+      <p:sp>
+        <p:nvSpPr>
+          <p:cNvPr id="146" name="TextBox 145">
+            <a:extLst>
+              <a:ext uri="{FF2B5EF4-FFF2-40B4-BE49-F238E27FC236}">
+                <a16:creationId xmlns:a16="http://schemas.microsoft.com/office/drawing/2014/main" id="{4F7FA194-F31A-4B55-835F-FA3FEC9A3DF9}"/>
+              </a:ext>
+            </a:extLst>
+          </p:cNvPr>
+          <p:cNvSpPr txBox="1"/>
+          <p:nvPr/>
+        </p:nvSpPr>
+        <p:spPr>
+          <a:xfrm>
+            <a:off x="4324428" y="6087927"/>
+            <a:ext cx="2666296" cy="215444"/>
+          </a:xfrm>
+          <a:prstGeom prst="rect">
+            <a:avLst/>
+          </a:prstGeom>
+          <a:noFill/>
+        </p:spPr>
+        <p:txBody>
+          <a:bodyPr wrap="square" lIns="0" tIns="0" rIns="0" bIns="0" rtlCol="0">
+            <a:spAutoFit/>
+          </a:bodyPr>
+          <a:lstStyle>
+            <a:defPPr>
+              <a:defRPr lang="en-US"/>
+            </a:defPPr>
+            <a:lvl1pPr algn="r">
+              <a:defRPr sz="1400">
+                <a:solidFill>
+                  <a:srgbClr val="0070C0"/>
+                </a:solidFill>
+              </a:defRPr>
+            </a:lvl1pPr>
+          </a:lstStyle>
+          <a:p>
+            <a:pPr algn="ctr"/>
+            <a:r>
+              <a:rPr lang="en-US" dirty="0">
+                <a:solidFill>
+                  <a:srgbClr val="31859C"/>
+                </a:solidFill>
+              </a:rPr>
+              <a:t>createFolder(logsPath)</a:t>
+            </a:r>
+          </a:p>
+        </p:txBody>
+      </p:sp>
+      <p:cxnSp>
+        <p:nvCxnSpPr>
+          <p:cNvPr id="57" name="Straight Arrow Connector 56">
+            <a:extLst>
+              <a:ext uri="{FF2B5EF4-FFF2-40B4-BE49-F238E27FC236}">
+                <a16:creationId xmlns:a16="http://schemas.microsoft.com/office/drawing/2014/main" id="{CA28FF43-31AE-443C-920C-F44591367729}"/>
+              </a:ext>
+            </a:extLst>
+          </p:cNvPr>
+          <p:cNvCxnSpPr>
+            <a:cxnSpLocks/>
+          </p:cNvCxnSpPr>
+          <p:nvPr/>
+        </p:nvCxnSpPr>
+        <p:spPr>
+          <a:xfrm flipV="1">
+            <a:off x="-279777" y="5503236"/>
+            <a:ext cx="7515857" cy="8480"/>
+          </a:xfrm>
+          <a:prstGeom prst="straightConnector1">
+            <a:avLst/>
+          </a:prstGeom>
+          <a:ln w="19050">
+            <a:solidFill>
+              <a:srgbClr val="31859C"/>
+            </a:solidFill>
+            <a:prstDash val="sysDash"/>
+            <a:headEnd type="arrow" w="med" len="med"/>
+            <a:tailEnd type="none" w="med" len="med"/>
+          </a:ln>
+        </p:spPr>
+        <p:style>
+          <a:lnRef idx="1">
+            <a:schemeClr val="accent1"/>
+          </a:lnRef>
+          <a:fillRef idx="0">
+            <a:schemeClr val="accent1"/>
+          </a:fillRef>
+          <a:effectRef idx="0">
+            <a:schemeClr val="accent1"/>
+          </a:effectRef>
+          <a:fontRef idx="minor">
+            <a:schemeClr val="tx1"/>
+          </a:fontRef>
+        </p:style>
+      </p:cxnSp>
+      <p:cxnSp>
+        <p:nvCxnSpPr>
+          <p:cNvPr id="58" name="Straight Arrow Connector 57">
+            <a:extLst>
+              <a:ext uri="{FF2B5EF4-FFF2-40B4-BE49-F238E27FC236}">
+                <a16:creationId xmlns:a16="http://schemas.microsoft.com/office/drawing/2014/main" id="{3CC5ED5A-F6B5-49DC-86A8-8A2BBB868124}"/>
+              </a:ext>
+            </a:extLst>
+          </p:cNvPr>
+          <p:cNvCxnSpPr>
+            <a:cxnSpLocks/>
+          </p:cNvCxnSpPr>
+          <p:nvPr/>
+        </p:nvCxnSpPr>
+        <p:spPr>
+          <a:xfrm>
+            <a:off x="-291201" y="5723970"/>
+            <a:ext cx="7473770" cy="13343"/>
+          </a:xfrm>
+          <a:prstGeom prst="straightConnector1">
+            <a:avLst/>
+          </a:prstGeom>
+          <a:ln w="19050">
+            <a:solidFill>
+              <a:schemeClr val="accent6"/>
+            </a:solidFill>
+            <a:tailEnd type="arrow"/>
+          </a:ln>
+        </p:spPr>
+        <p:style>
+          <a:lnRef idx="1">
+            <a:schemeClr val="accent1"/>
+          </a:lnRef>
+          <a:fillRef idx="0">
+            <a:schemeClr val="accent1"/>
+          </a:fillRef>
+          <a:effectRef idx="0">
+            <a:schemeClr val="accent1"/>
+          </a:effectRef>
+          <a:fontRef idx="minor">
+            <a:schemeClr val="tx1"/>
+          </a:fontRef>
+        </p:style>
+      </p:cxnSp>
+      <p:cxnSp>
+        <p:nvCxnSpPr>
+          <p:cNvPr id="59" name="Straight Arrow Connector 58">
+            <a:extLst>
+              <a:ext uri="{FF2B5EF4-FFF2-40B4-BE49-F238E27FC236}">
+                <a16:creationId xmlns:a16="http://schemas.microsoft.com/office/drawing/2014/main" id="{2A545BC5-0940-4F29-9AF1-5509E837E0CA}"/>
+              </a:ext>
+            </a:extLst>
+          </p:cNvPr>
+          <p:cNvCxnSpPr>
+            <a:cxnSpLocks/>
+          </p:cNvCxnSpPr>
+          <p:nvPr/>
+        </p:nvCxnSpPr>
+        <p:spPr>
+          <a:xfrm>
+            <a:off x="-291201" y="6051209"/>
+            <a:ext cx="7473770" cy="13343"/>
+          </a:xfrm>
+          <a:prstGeom prst="straightConnector1">
+            <a:avLst/>
+          </a:prstGeom>
+          <a:ln w="19050">
+            <a:solidFill>
+              <a:schemeClr val="accent6"/>
+            </a:solidFill>
+            <a:tailEnd type="arrow"/>
+          </a:ln>
+        </p:spPr>
+        <p:style>
+          <a:lnRef idx="1">
+            <a:schemeClr val="accent1"/>
+          </a:lnRef>
+          <a:fillRef idx="0">
+            <a:schemeClr val="accent1"/>
+          </a:fillRef>
+          <a:effectRef idx="0">
+            <a:schemeClr val="accent1"/>
+          </a:effectRef>
+          <a:fontRef idx="minor">
+            <a:schemeClr val="tx1"/>
+          </a:fontRef>
+        </p:style>
+      </p:cxnSp>
+      <p:cxnSp>
+        <p:nvCxnSpPr>
+          <p:cNvPr id="60" name="Straight Connector 59">
+            <a:extLst>
+              <a:ext uri="{FF2B5EF4-FFF2-40B4-BE49-F238E27FC236}">
+                <a16:creationId xmlns:a16="http://schemas.microsoft.com/office/drawing/2014/main" id="{1E71A844-1300-401B-9C89-254768555035}"/>
+              </a:ext>
+            </a:extLst>
+          </p:cNvPr>
+          <p:cNvCxnSpPr>
+            <a:cxnSpLocks/>
+          </p:cNvCxnSpPr>
+          <p:nvPr/>
+        </p:nvCxnSpPr>
+        <p:spPr>
+          <a:xfrm>
+            <a:off x="7261485" y="897360"/>
+            <a:ext cx="0" cy="5852208"/>
+          </a:xfrm>
+          <a:prstGeom prst="line">
+            <a:avLst/>
+          </a:prstGeom>
+          <a:ln w="19050">
+            <a:solidFill>
+              <a:srgbClr val="31859C"/>
+            </a:solidFill>
+            <a:prstDash val="sysDash"/>
+          </a:ln>
+          <a:effectLst/>
+        </p:spPr>
+        <p:style>
+          <a:lnRef idx="1">
+            <a:schemeClr val="accent1"/>
+          </a:lnRef>
+          <a:fillRef idx="2">
+            <a:schemeClr val="accent1"/>
+          </a:fillRef>
+          <a:effectRef idx="1">
+            <a:schemeClr val="accent1"/>
+          </a:effectRef>
+          <a:fontRef idx="minor">
+            <a:schemeClr val="dk1"/>
+          </a:fontRef>
+        </p:style>
+      </p:cxnSp>
+      <p:sp>
+        <p:nvSpPr>
+          <p:cNvPr id="61" name="Rectangle 60">
+            <a:extLst>
+              <a:ext uri="{FF2B5EF4-FFF2-40B4-BE49-F238E27FC236}">
+                <a16:creationId xmlns:a16="http://schemas.microsoft.com/office/drawing/2014/main" id="{90C6120D-DE62-479B-AC46-EA13AC471981}"/>
+              </a:ext>
+            </a:extLst>
+          </p:cNvPr>
+          <p:cNvSpPr/>
+          <p:nvPr/>
+        </p:nvSpPr>
+        <p:spPr>
+          <a:xfrm>
+            <a:off x="-405566" y="6215507"/>
+            <a:ext cx="176067" cy="358614"/>
+          </a:xfrm>
+          <a:prstGeom prst="rect">
+            <a:avLst/>
+          </a:prstGeom>
+          <a:noFill/>
+          <a:ln w="19050">
+            <a:solidFill>
+              <a:schemeClr val="accent6"/>
+            </a:solidFill>
+          </a:ln>
+          <a:effectLst/>
+        </p:spPr>
+        <p:style>
+          <a:lnRef idx="1">
+            <a:schemeClr val="accent3"/>
+          </a:lnRef>
+          <a:fillRef idx="2">
+            <a:schemeClr val="accent3"/>
+          </a:fillRef>
+          <a:effectRef idx="1">
+            <a:schemeClr val="accent3"/>
+          </a:effectRef>
+          <a:fontRef idx="minor">
+            <a:schemeClr val="dk1"/>
+          </a:fontRef>
+        </p:style>
+        <p:txBody>
+          <a:bodyPr rtlCol="0" anchor="ctr"/>
+          <a:lstStyle/>
+          <a:p>
+            <a:pPr algn="ctr"/>
+            <a:endParaRPr lang="en-SG" sz="1400"/>
+          </a:p>
+        </p:txBody>
+      </p:sp>
+      <p:cxnSp>
+        <p:nvCxnSpPr>
+          <p:cNvPr id="64" name="Straight Connector 63">
+            <a:extLst>
+              <a:ext uri="{FF2B5EF4-FFF2-40B4-BE49-F238E27FC236}">
+                <a16:creationId xmlns:a16="http://schemas.microsoft.com/office/drawing/2014/main" id="{7F18494A-0527-4100-8FFA-64E75B851CE8}"/>
+              </a:ext>
+            </a:extLst>
+          </p:cNvPr>
+          <p:cNvCxnSpPr>
+            <a:cxnSpLocks/>
+          </p:cNvCxnSpPr>
+          <p:nvPr/>
+        </p:nvCxnSpPr>
+        <p:spPr>
+          <a:xfrm>
+            <a:off x="-388829" y="6828227"/>
+            <a:ext cx="0" cy="123794"/>
+          </a:xfrm>
+          <a:prstGeom prst="line">
+            <a:avLst/>
+          </a:prstGeom>
+          <a:ln w="19050">
+            <a:solidFill>
+              <a:schemeClr val="accent6"/>
+            </a:solidFill>
+            <a:prstDash val="sysDash"/>
+          </a:ln>
+          <a:effectLst/>
+        </p:spPr>
+        <p:style>
+          <a:lnRef idx="1">
+            <a:schemeClr val="accent1"/>
+          </a:lnRef>
+          <a:fillRef idx="2">
+            <a:schemeClr val="accent1"/>
+          </a:fillRef>
+          <a:effectRef idx="1">
+            <a:schemeClr val="accent1"/>
+          </a:effectRef>
+          <a:fontRef idx="minor">
+            <a:schemeClr val="dk1"/>
+          </a:fontRef>
+        </p:style>
+      </p:cxnSp>
+      <p:grpSp>
+        <p:nvGrpSpPr>
+          <p:cNvPr id="70" name="Group 69">
+            <a:extLst>
+              <a:ext uri="{FF2B5EF4-FFF2-40B4-BE49-F238E27FC236}">
+                <a16:creationId xmlns:a16="http://schemas.microsoft.com/office/drawing/2014/main" id="{FAF8AD37-9FF7-49EC-B85D-06AA28F58DDF}"/>
+              </a:ext>
+            </a:extLst>
+          </p:cNvPr>
+          <p:cNvGrpSpPr/>
+          <p:nvPr/>
+        </p:nvGrpSpPr>
+        <p:grpSpPr>
+          <a:xfrm>
+            <a:off x="-310707" y="6510724"/>
+            <a:ext cx="325165" cy="174307"/>
+            <a:chOff x="4370776" y="4204076"/>
+            <a:chExt cx="331689" cy="241692"/>
+          </a:xfrm>
+        </p:grpSpPr>
+        <p:cxnSp>
+          <p:nvCxnSpPr>
+            <p:cNvPr id="71" name="Straight Arrow Connector 70">
+              <a:extLst>
+                <a:ext uri="{FF2B5EF4-FFF2-40B4-BE49-F238E27FC236}">
+                  <a16:creationId xmlns:a16="http://schemas.microsoft.com/office/drawing/2014/main" id="{31A04D29-88CC-4497-8E89-1978DBD200FC}"/>
+                </a:ext>
+              </a:extLst>
+            </p:cNvPr>
+            <p:cNvCxnSpPr>
+              <a:cxnSpLocks/>
+            </p:cNvCxnSpPr>
+            <p:nvPr/>
+          </p:nvCxnSpPr>
+          <p:spPr>
+            <a:xfrm flipV="1">
+              <a:off x="4370776" y="4314320"/>
+              <a:ext cx="320537" cy="131448"/>
+            </a:xfrm>
+            <a:prstGeom prst="straightConnector1">
+              <a:avLst/>
+            </a:prstGeom>
+            <a:ln w="19050">
+              <a:solidFill>
+                <a:schemeClr val="accent6"/>
+              </a:solidFill>
+              <a:prstDash val="sysDash"/>
+              <a:headEnd type="arrow" w="med" len="med"/>
+              <a:tailEnd type="none" w="med" len="med"/>
+            </a:ln>
+          </p:spPr>
+          <p:style>
+            <a:lnRef idx="1">
+              <a:schemeClr val="accent1"/>
+            </a:lnRef>
+            <a:fillRef idx="0">
+              <a:schemeClr val="accent1"/>
+            </a:fillRef>
+            <a:effectRef idx="0">
+              <a:schemeClr val="accent1"/>
+            </a:effectRef>
+            <a:fontRef idx="minor">
+              <a:schemeClr val="tx1"/>
+            </a:fontRef>
+          </p:style>
+        </p:cxnSp>
+        <p:cxnSp>
+          <p:nvCxnSpPr>
+            <p:cNvPr id="73" name="Straight Connector 72">
+              <a:extLst>
+                <a:ext uri="{FF2B5EF4-FFF2-40B4-BE49-F238E27FC236}">
+                  <a16:creationId xmlns:a16="http://schemas.microsoft.com/office/drawing/2014/main" id="{9E6DF581-C16C-425D-9C6F-AEE19A132512}"/>
+                </a:ext>
+              </a:extLst>
+            </p:cNvPr>
+            <p:cNvCxnSpPr>
+              <a:cxnSpLocks/>
+            </p:cNvCxnSpPr>
+            <p:nvPr/>
+          </p:nvCxnSpPr>
+          <p:spPr>
+            <a:xfrm flipV="1">
+              <a:off x="4488020" y="4204076"/>
+              <a:ext cx="212570" cy="2134"/>
+            </a:xfrm>
+            <a:prstGeom prst="line">
+              <a:avLst/>
+            </a:prstGeom>
+            <a:ln w="19050">
+              <a:solidFill>
+                <a:schemeClr val="accent6"/>
+              </a:solidFill>
+              <a:prstDash val="sysDash"/>
+            </a:ln>
+            <a:effectLst/>
+          </p:spPr>
+          <p:style>
+            <a:lnRef idx="1">
+              <a:schemeClr val="accent1"/>
+            </a:lnRef>
+            <a:fillRef idx="2">
+              <a:schemeClr val="accent1"/>
+            </a:fillRef>
+            <a:effectRef idx="1">
+              <a:schemeClr val="accent1"/>
+            </a:effectRef>
+            <a:fontRef idx="minor">
+              <a:schemeClr val="dk1"/>
+            </a:fontRef>
+          </p:style>
+        </p:cxnSp>
+        <p:cxnSp>
+          <p:nvCxnSpPr>
+            <p:cNvPr id="75" name="Straight Connector 74">
+              <a:extLst>
+                <a:ext uri="{FF2B5EF4-FFF2-40B4-BE49-F238E27FC236}">
+                  <a16:creationId xmlns:a16="http://schemas.microsoft.com/office/drawing/2014/main" id="{D89A5D57-FCF3-464C-B005-017A345D3395}"/>
+                </a:ext>
+              </a:extLst>
+            </p:cNvPr>
+            <p:cNvCxnSpPr>
+              <a:cxnSpLocks/>
+            </p:cNvCxnSpPr>
+            <p:nvPr/>
+          </p:nvCxnSpPr>
+          <p:spPr>
+            <a:xfrm>
+              <a:off x="4702464" y="4224451"/>
+              <a:ext cx="1" cy="89869"/>
+            </a:xfrm>
+            <a:prstGeom prst="line">
+              <a:avLst/>
+            </a:prstGeom>
+            <a:ln w="19050">
+              <a:solidFill>
+                <a:schemeClr val="accent6"/>
+              </a:solidFill>
+              <a:prstDash val="sysDash"/>
+            </a:ln>
+            <a:effectLst/>
+          </p:spPr>
+          <p:style>
+            <a:lnRef idx="1">
+              <a:schemeClr val="accent1"/>
+            </a:lnRef>
+            <a:fillRef idx="2">
+              <a:schemeClr val="accent1"/>
+            </a:fillRef>
+            <a:effectRef idx="1">
+              <a:schemeClr val="accent1"/>
+            </a:effectRef>
+            <a:fontRef idx="minor">
+              <a:schemeClr val="dk1"/>
+            </a:fontRef>
+          </p:style>
+        </p:cxnSp>
+      </p:grpSp>
     </p:spTree>
     <p:extLst>
       <p:ext uri="{BB962C8B-B14F-4D97-AF65-F5344CB8AC3E}">
